--- a/WDSR - ćwiczenie 4.pptx
+++ b/WDSR - ćwiczenie 4.pptx
@@ -137,7 +137,7 @@
   </p:defaultTextStyle>
   <p:extLst>
     <p:ext uri="{EFAFB233-063F-42B5-8137-9DF3F51BA10A}">
-      <p15:sldGuideLst xmlns:p15="http://schemas.microsoft.com/office/powerpoint/2012/main" xmlns="">
+      <p15:sldGuideLst xmlns="" xmlns:p15="http://schemas.microsoft.com/office/powerpoint/2012/main">
         <p15:guide id="1" orient="horz" pos="1620">
           <p15:clr>
             <a:srgbClr val="A4A3A4"/>
@@ -171,7 +171,7 @@
       </p15:sldGuideLst>
     </p:ext>
     <p:ext uri="{2D200454-40CA-4A62-9FC3-DE9A4176ACB9}">
-      <p15:notesGuideLst xmlns:p15="http://schemas.microsoft.com/office/powerpoint/2012/main" xmlns=""/>
+      <p15:notesGuideLst xmlns="" xmlns:p15="http://schemas.microsoft.com/office/powerpoint/2012/main"/>
     </p:ext>
   </p:extLst>
 </p:presentation>
@@ -266,7 +266,7 @@
             <a:fld id="{C4843D26-F355-3844-A4EF-19D4FD875597}" type="datetimeFigureOut">
               <a:rPr lang="de-DE" smtClean="0"/>
               <a:pPr/>
-              <a:t>25.04.2016</a:t>
+              <a:t>26.04.2016</a:t>
             </a:fld>
             <a:endParaRPr lang="de-DE" dirty="0"/>
           </a:p>
@@ -434,7 +434,7 @@
             <a:fld id="{8E2CFE12-C1FB-D740-8B6C-AFB72D5D4002}" type="datetimeFigureOut">
               <a:rPr lang="de-DE" smtClean="0"/>
               <a:pPr/>
-              <a:t>25.04.2016</a:t>
+              <a:t>26.04.2016</a:t>
             </a:fld>
             <a:endParaRPr lang="de-DE" dirty="0"/>
           </a:p>
@@ -3557,7 +3557,7 @@
   </p:timing>
   <p:extLst mod="1">
     <p:ext uri="{DCECCB84-F9BA-43D5-87BE-67443E8EF086}">
-      <p15:sldGuideLst xmlns:p15="http://schemas.microsoft.com/office/powerpoint/2012/main" xmlns="">
+      <p15:sldGuideLst xmlns="" xmlns:p15="http://schemas.microsoft.com/office/powerpoint/2012/main">
         <p15:guide id="1" orient="horz" pos="1221">
           <p15:clr>
             <a:srgbClr val="C35EA4"/>
@@ -3890,7 +3890,7 @@
   </p:clrMapOvr>
   <p:extLst mod="1">
     <p:ext uri="{DCECCB84-F9BA-43D5-87BE-67443E8EF086}">
-      <p15:sldGuideLst xmlns:p15="http://schemas.microsoft.com/office/powerpoint/2012/main" xmlns="">
+      <p15:sldGuideLst xmlns="" xmlns:p15="http://schemas.microsoft.com/office/powerpoint/2012/main">
         <p15:guide id="1" orient="horz" pos="1221">
           <p15:clr>
             <a:srgbClr val="C35EA4"/>
@@ -4629,7 +4629,7 @@
           <a:graphicData uri="http://schemas.openxmlformats.org/presentationml/2006/ole">
             <mc:AlternateContent xmlns:mc="http://schemas.openxmlformats.org/markup-compatibility/2006">
               <mc:Choice xmlns:v="urn:schemas-microsoft-com:vml" Requires="v">
-                <p:oleObj spid="_x0000_s2335" name="think-cell Folie" r:id="rId4" imgW="305" imgH="303" progId="TCLayout.ActiveDocument.1">
+                <p:oleObj spid="_x0000_s2338" name="think-cell Folie" r:id="rId4" imgW="305" imgH="303" progId="TCLayout.ActiveDocument.1">
                   <p:embed/>
                 </p:oleObj>
               </mc:Choice>
@@ -5026,7 +5026,7 @@
           <a:graphicData uri="http://schemas.openxmlformats.org/presentationml/2006/ole">
             <mc:AlternateContent xmlns:mc="http://schemas.openxmlformats.org/markup-compatibility/2006">
               <mc:Choice xmlns:v="urn:schemas-microsoft-com:vml" Requires="v">
-                <p:oleObj spid="_x0000_s1316" name="think-cell Folie" r:id="rId13" imgW="305" imgH="303" progId="TCLayout.ActiveDocument.1">
+                <p:oleObj spid="_x0000_s1319" name="think-cell Folie" r:id="rId13" imgW="305" imgH="303" progId="TCLayout.ActiveDocument.1">
                   <p:embed/>
                 </p:oleObj>
               </mc:Choice>
@@ -6234,7 +6234,7 @@
   </p:txStyles>
   <p:extLst mod="1">
     <p:ext uri="{27BBF7A9-308A-43DC-89C8-2F10F3537804}">
-      <p15:sldGuideLst xmlns:p15="http://schemas.microsoft.com/office/powerpoint/2012/main" xmlns="">
+      <p15:sldGuideLst xmlns="" xmlns:p15="http://schemas.microsoft.com/office/powerpoint/2012/main">
         <p15:guide id="1" pos="283">
           <p15:clr>
             <a:srgbClr val="FBAE40"/>
@@ -6594,11 +6594,7 @@
           <a:p>
             <a:r>
               <a:rPr lang="pl-PL" dirty="0" smtClean="0"/>
-              <a:t>ĆWICZENIE </a:t>
-            </a:r>
-            <a:r>
-              <a:rPr lang="pl-PL" dirty="0" smtClean="0"/>
-              <a:t>4a</a:t>
+              <a:t>ĆWICZENIE 4a</a:t>
             </a:r>
             <a:endParaRPr lang="de-DE" dirty="0"/>
           </a:p>
@@ -6866,11 +6862,7 @@
           <a:p>
             <a:r>
               <a:rPr lang="pl-PL" dirty="0" smtClean="0"/>
-              <a:t>ĆWICZENIE </a:t>
-            </a:r>
-            <a:r>
-              <a:rPr lang="pl-PL" dirty="0" smtClean="0"/>
-              <a:t>4A</a:t>
+              <a:t>ĆWICZENIE 4A</a:t>
             </a:r>
             <a:endParaRPr lang="de-DE" dirty="0"/>
           </a:p>
@@ -7076,15 +7068,7 @@
           <a:p>
             <a:r>
               <a:rPr lang="pl-PL" sz="1050" dirty="0" smtClean="0"/>
-              <a:t>SendTest tworzy instancję klasy JmsSender i wywołuje </a:t>
-            </a:r>
-            <a:r>
-              <a:rPr lang="pl-PL" sz="1050" dirty="0" smtClean="0"/>
-              <a:t>na niej metody </a:t>
-            </a:r>
-            <a:r>
-              <a:rPr lang="pl-PL" sz="1050" dirty="0" smtClean="0"/>
-              <a:t>mające za zadanie wysłać komunikaty do brokera JMS.</a:t>
+              <a:t>SendTest tworzy instancję klasy JmsSender i wywołuje na niej metody mające za zadanie wysłać komunikaty do brokera JMS.</a:t>
             </a:r>
           </a:p>
           <a:p>
@@ -7101,7 +7085,6 @@
               <a:rPr lang="pl-PL" sz="1000" dirty="0" smtClean="0"/>
               <a:t>.</a:t>
             </a:r>
-            <a:endParaRPr lang="pl-PL" sz="1000" dirty="0" smtClean="0"/>
           </a:p>
           <a:p>
             <a:endParaRPr lang="pl-PL" dirty="0" smtClean="0"/>
@@ -8044,11 +8027,7 @@
           <a:p>
             <a:r>
               <a:rPr lang="pl-PL" dirty="0" smtClean="0"/>
-              <a:t>ĆWICZENIE </a:t>
-            </a:r>
-            <a:r>
-              <a:rPr lang="pl-PL" dirty="0" smtClean="0"/>
-              <a:t>4A</a:t>
+              <a:t>ĆWICZENIE 4A</a:t>
             </a:r>
             <a:endParaRPr lang="de-DE" dirty="0"/>
           </a:p>
@@ -8272,15 +8251,7 @@
             </a:r>
             <a:r>
               <a:rPr lang="pl-PL" sz="1050" dirty="0" smtClean="0"/>
-              <a:t> </a:t>
-            </a:r>
-            <a:r>
-              <a:rPr lang="pl-PL" sz="1050" dirty="0" smtClean="0"/>
-              <a:t>i </a:t>
-            </a:r>
-            <a:r>
-              <a:rPr lang="pl-PL" sz="1050" dirty="0" smtClean="0"/>
-              <a:t>rejestruje na niej </a:t>
+              <a:t> i rejestruje na niej </a:t>
             </a:r>
             <a:r>
               <a:rPr lang="pl-PL" sz="1050" dirty="0" err="1" smtClean="0"/>
@@ -8290,17 +8261,12 @@
               <a:rPr lang="pl-PL" sz="1050" dirty="0" smtClean="0"/>
               <a:t>, który ma być wywoływany w reakcji na otrzymanie komunikatu z kolejki.</a:t>
             </a:r>
-            <a:endParaRPr lang="pl-PL" sz="1050" dirty="0" smtClean="0"/>
           </a:p>
           <a:p>
             <a:pPr lvl="1"/>
             <a:r>
               <a:rPr lang="pl-PL" sz="1000" dirty="0" smtClean="0"/>
-              <a:t>Twoje zadanie: </a:t>
-            </a:r>
-            <a:r>
-              <a:rPr lang="pl-PL" sz="1000" dirty="0" smtClean="0"/>
-              <a:t>dokończenie implementacji klasy </a:t>
+              <a:t>Twoje zadanie: dokończenie implementacji klasy </a:t>
             </a:r>
             <a:r>
               <a:rPr lang="pl-PL" sz="1000" dirty="0" err="1" smtClean="0"/>
@@ -8310,7 +8276,6 @@
               <a:rPr lang="pl-PL" sz="1000" dirty="0" smtClean="0"/>
               <a:t>.</a:t>
             </a:r>
-            <a:endParaRPr lang="pl-PL" sz="1000" dirty="0" smtClean="0"/>
           </a:p>
           <a:p>
             <a:endParaRPr lang="pl-PL" dirty="0" smtClean="0"/>
@@ -8932,7 +8897,6 @@
               <a:rPr lang="pl-PL" sz="1050" dirty="0" smtClean="0"/>
               <a:t>()</a:t>
             </a:r>
-            <a:endParaRPr lang="pl-PL" sz="1050" dirty="0" smtClean="0"/>
           </a:p>
         </p:txBody>
       </p:sp>
@@ -8990,11 +8954,6 @@
               </a:rPr>
               <a:t>)</a:t>
             </a:r>
-            <a:endParaRPr lang="pl-PL" sz="900" dirty="0" smtClean="0">
-              <a:solidFill>
-                <a:srgbClr val="00B050"/>
-              </a:solidFill>
-            </a:endParaRPr>
           </a:p>
         </p:txBody>
       </p:sp>
@@ -9232,11 +9191,6 @@
               </a:rPr>
               <a:t>*Alert()</a:t>
             </a:r>
-            <a:endParaRPr lang="pl-PL" sz="1050" dirty="0" smtClean="0">
-              <a:solidFill>
-                <a:srgbClr val="00B050"/>
-              </a:solidFill>
-            </a:endParaRPr>
           </a:p>
         </p:txBody>
       </p:sp>
@@ -9330,11 +9284,6 @@
               </a:rPr>
               <a:t>)</a:t>
             </a:r>
-            <a:endParaRPr lang="pl-PL" sz="900" dirty="0" smtClean="0">
-              <a:solidFill>
-                <a:srgbClr val="00B050"/>
-              </a:solidFill>
-            </a:endParaRPr>
           </a:p>
         </p:txBody>
       </p:sp>
@@ -9489,11 +9438,7 @@
           <a:p>
             <a:r>
               <a:rPr lang="pl-PL" dirty="0" smtClean="0"/>
-              <a:t>ĆWICZENIE </a:t>
-            </a:r>
-            <a:r>
-              <a:rPr lang="pl-PL" dirty="0" smtClean="0"/>
-              <a:t>4a</a:t>
+              <a:t>ĆWICZENIE 4a</a:t>
             </a:r>
             <a:endParaRPr lang="de-DE" dirty="0"/>
           </a:p>
@@ -9541,11 +9486,7 @@
             <a:pPr lvl="1"/>
             <a:r>
               <a:rPr lang="pl-PL" dirty="0" smtClean="0"/>
-              <a:t>Jak </a:t>
-            </a:r>
-            <a:r>
-              <a:rPr lang="pl-PL" dirty="0" smtClean="0"/>
-              <a:t>zwykle na początku ćwiczenia - testy zakończyły się błędami.</a:t>
+              <a:t>Jak zwykle na początku ćwiczenia - testy zakończyły się błędami.</a:t>
             </a:r>
             <a:endParaRPr lang="pl-PL" dirty="0"/>
           </a:p>
@@ -9700,11 +9641,7 @@
           <a:p>
             <a:r>
               <a:rPr lang="pl-PL" dirty="0" smtClean="0"/>
-              <a:t>ĆWICZENIE </a:t>
-            </a:r>
-            <a:r>
-              <a:rPr lang="pl-PL" dirty="0" smtClean="0"/>
-              <a:t>4</a:t>
+              <a:t>ĆWICZENIE 4</a:t>
             </a:r>
             <a:endParaRPr lang="de-DE" dirty="0"/>
           </a:p>
@@ -9736,7 +9673,6 @@
               <a:rPr lang="pl-PL" dirty="0" smtClean="0"/>
               <a:t>Zadanie: </a:t>
             </a:r>
-            <a:endParaRPr lang="pl-PL" dirty="0" smtClean="0"/>
           </a:p>
           <a:p>
             <a:pPr lvl="1"/>
@@ -9794,17 +9730,12 @@
             </a:r>
             <a:r>
               <a:rPr lang="pl-PL" dirty="0" err="1" smtClean="0"/>
-              <a:t>Receiver</a:t>
-            </a:r>
-            <a:r>
-              <a:rPr lang="pl-PL" dirty="0" err="1" smtClean="0"/>
-              <a:t>Test</a:t>
+              <a:t>ReceiverTest</a:t>
             </a:r>
             <a:r>
               <a:rPr lang="pl-PL" dirty="0" smtClean="0"/>
               <a:t> powinien się kończyć sukcesem.</a:t>
             </a:r>
-            <a:endParaRPr lang="pl-PL" dirty="0" smtClean="0"/>
           </a:p>
           <a:p>
             <a:pPr lvl="1"/>
@@ -9822,15 +9753,7 @@
             </a:r>
             <a:r>
               <a:rPr lang="pl-PL" dirty="0" smtClean="0"/>
-              <a:t> – czyli JMS API. Na potrzeby </a:t>
-            </a:r>
-            <a:r>
-              <a:rPr lang="pl-PL" dirty="0" smtClean="0"/>
-              <a:t>tego ćwiczenia ni</a:t>
-            </a:r>
-            <a:r>
-              <a:rPr lang="pl-PL" dirty="0" smtClean="0"/>
-              <a:t>e używaj pakietu </a:t>
+              <a:t> – czyli JMS API. Na potrzeby tego ćwiczenia nie używaj pakietu </a:t>
             </a:r>
             <a:r>
               <a:rPr lang="pl-PL" dirty="0" err="1" smtClean="0"/>
@@ -9886,7 +9809,6 @@
               <a:rPr lang="pl-PL" dirty="0" smtClean="0"/>
               <a:t>na porcie 62616.</a:t>
             </a:r>
-            <a:endParaRPr lang="pl-PL" dirty="0" smtClean="0"/>
           </a:p>
         </p:txBody>
       </p:sp>
@@ -9952,11 +9874,7 @@
           <a:p>
             <a:r>
               <a:rPr lang="pl-PL" dirty="0" smtClean="0"/>
-              <a:t>Ćwiczenie </a:t>
-            </a:r>
-            <a:r>
-              <a:rPr lang="pl-PL" dirty="0" smtClean="0"/>
-              <a:t>4b: </a:t>
+              <a:t>Ćwiczenie 4b: </a:t>
             </a:r>
             <a:r>
               <a:rPr lang="pl-PL" dirty="0" err="1" smtClean="0"/>
@@ -10036,21 +9954,8 @@
                   <a:schemeClr val="tx1"/>
                 </a:solidFill>
               </a:rPr>
-              <a:t>Ćwiczenie </a:t>
-            </a:r>
-            <a:r>
-              <a:rPr lang="pl-PL" sz="1600" dirty="0" smtClean="0">
-                <a:solidFill>
-                  <a:schemeClr val="tx1"/>
-                </a:solidFill>
-              </a:rPr>
-              <a:t>4b</a:t>
-            </a:r>
-            <a:endParaRPr lang="pl-PL" sz="1600" dirty="0" smtClean="0">
-              <a:solidFill>
-                <a:schemeClr val="tx1"/>
-              </a:solidFill>
-            </a:endParaRPr>
+              <a:t>Ćwiczenie 4b</a:t>
+            </a:r>
           </a:p>
           <a:p>
             <a:pPr algn="ctr"/>
@@ -10132,11 +10037,7 @@
           <a:p>
             <a:r>
               <a:rPr lang="pl-PL" dirty="0" smtClean="0"/>
-              <a:t>Ćwiczenie </a:t>
-            </a:r>
-            <a:r>
-              <a:rPr lang="pl-PL" dirty="0" smtClean="0"/>
-              <a:t>4b</a:t>
+              <a:t>Ćwiczenie 4b</a:t>
             </a:r>
             <a:r>
               <a:rPr lang="pl-PL" dirty="0"/>
@@ -10175,11 +10076,7 @@
           <a:p>
             <a:r>
               <a:rPr lang="pl-PL" dirty="0" smtClean="0"/>
-              <a:t>ĆWICZENIE </a:t>
-            </a:r>
-            <a:r>
-              <a:rPr lang="pl-PL" dirty="0" smtClean="0"/>
-              <a:t>4B</a:t>
+              <a:t>ĆWICZENIE 4B</a:t>
             </a:r>
             <a:endParaRPr lang="de-DE" dirty="0"/>
           </a:p>
@@ -10299,7 +10196,6 @@
               <a:rPr lang="pl-PL" dirty="0" smtClean="0"/>
               <a:t>-C w oknie konsoli.</a:t>
             </a:r>
-            <a:endParaRPr lang="pl-PL" dirty="0" smtClean="0"/>
           </a:p>
         </p:txBody>
       </p:sp>
@@ -10365,11 +10261,7 @@
           <a:p>
             <a:r>
               <a:rPr lang="pl-PL" dirty="0" smtClean="0"/>
-              <a:t>Ćwiczenie </a:t>
-            </a:r>
-            <a:r>
-              <a:rPr lang="pl-PL" dirty="0" smtClean="0"/>
-              <a:t>4b</a:t>
+              <a:t>Ćwiczenie 4b</a:t>
             </a:r>
             <a:r>
               <a:rPr lang="pl-PL" dirty="0"/>
@@ -10408,11 +10300,7 @@
           <a:p>
             <a:r>
               <a:rPr lang="pl-PL" dirty="0" smtClean="0"/>
-              <a:t>ĆWICZENIE </a:t>
-            </a:r>
-            <a:r>
-              <a:rPr lang="pl-PL" dirty="0" smtClean="0"/>
-              <a:t>4B</a:t>
+              <a:t>ĆWICZENIE 4B</a:t>
             </a:r>
             <a:endParaRPr lang="de-DE" dirty="0"/>
           </a:p>
@@ -10532,7 +10420,6 @@
               <a:rPr lang="pl-PL" dirty="0" smtClean="0"/>
               <a:t>admin/admin</a:t>
             </a:r>
-            <a:endParaRPr lang="pl-PL" dirty="0" smtClean="0"/>
           </a:p>
         </p:txBody>
       </p:sp>
@@ -10598,11 +10485,7 @@
           <a:p>
             <a:r>
               <a:rPr lang="pl-PL" dirty="0" smtClean="0"/>
-              <a:t>Ćwiczenie </a:t>
-            </a:r>
-            <a:r>
-              <a:rPr lang="pl-PL" dirty="0" smtClean="0"/>
-              <a:t>4b</a:t>
+              <a:t>Ćwiczenie 4b</a:t>
             </a:r>
             <a:r>
               <a:rPr lang="pl-PL" dirty="0"/>
@@ -10641,11 +10524,7 @@
           <a:p>
             <a:r>
               <a:rPr lang="pl-PL" dirty="0" smtClean="0"/>
-              <a:t>ĆWICZENIE </a:t>
-            </a:r>
-            <a:r>
-              <a:rPr lang="pl-PL" dirty="0" smtClean="0"/>
-              <a:t>4B</a:t>
+              <a:t>ĆWICZENIE 4B</a:t>
             </a:r>
             <a:endParaRPr lang="de-DE" dirty="0"/>
           </a:p>
@@ -11617,11 +11496,7 @@
           <a:p>
             <a:r>
               <a:rPr lang="pl-PL" dirty="0" smtClean="0"/>
-              <a:t>Ćwiczenie </a:t>
-            </a:r>
-            <a:r>
-              <a:rPr lang="pl-PL" dirty="0" smtClean="0"/>
-              <a:t>4b</a:t>
+              <a:t>Ćwiczenie 4b</a:t>
             </a:r>
             <a:r>
               <a:rPr lang="pl-PL" dirty="0"/>
@@ -11660,11 +11535,7 @@
           <a:p>
             <a:r>
               <a:rPr lang="pl-PL" dirty="0" smtClean="0"/>
-              <a:t>ĆWICZENIE </a:t>
-            </a:r>
-            <a:r>
-              <a:rPr lang="pl-PL" dirty="0" smtClean="0"/>
-              <a:t>4B</a:t>
+              <a:t>ĆWICZENIE 4B</a:t>
             </a:r>
             <a:endParaRPr lang="de-DE" dirty="0"/>
           </a:p>
@@ -12163,15 +12034,7 @@
           <a:p>
             <a:r>
               <a:rPr lang="pl-PL" dirty="0" smtClean="0"/>
-              <a:t>Ćwiczenie </a:t>
-            </a:r>
-            <a:r>
-              <a:rPr lang="pl-PL" dirty="0" smtClean="0"/>
-              <a:t>4b</a:t>
-            </a:r>
-            <a:r>
-              <a:rPr lang="pl-PL" dirty="0" smtClean="0"/>
-              <a:t>: </a:t>
+              <a:t>Ćwiczenie 4b: </a:t>
             </a:r>
             <a:r>
               <a:rPr lang="pl-PL" dirty="0" err="1" smtClean="0"/>
@@ -12202,11 +12065,7 @@
           <a:p>
             <a:r>
               <a:rPr lang="pl-PL" dirty="0" smtClean="0"/>
-              <a:t>ĆWICZENIE </a:t>
-            </a:r>
-            <a:r>
-              <a:rPr lang="pl-PL" dirty="0" smtClean="0"/>
-              <a:t>4B</a:t>
+              <a:t>ĆWICZENIE 4B</a:t>
             </a:r>
             <a:endParaRPr lang="de-DE" dirty="0"/>
           </a:p>
@@ -12243,15 +12102,7 @@
             <a:pPr lvl="1"/>
             <a:r>
               <a:rPr lang="pl-PL" dirty="0" smtClean="0"/>
-              <a:t>Napisz program, będzie odbierał komunikaty </a:t>
-            </a:r>
-            <a:r>
-              <a:rPr lang="pl-PL" dirty="0" smtClean="0"/>
-              <a:t>wysyłane na kolejkę przez poprzednią aplikację </a:t>
-            </a:r>
-            <a:r>
-              <a:rPr lang="pl-PL" dirty="0" smtClean="0"/>
-              <a:t>i wypisywał ich treść (</a:t>
+              <a:t>Napisz program, będzie odbierał komunikaty wysyłane na kolejkę przez poprzednią aplikację i wypisywał ich treść (</a:t>
             </a:r>
             <a:r>
               <a:rPr lang="pl-PL" dirty="0" err="1" smtClean="0"/>
@@ -12415,11 +12266,7 @@
           <a:p>
             <a:r>
               <a:rPr lang="pl-PL" dirty="0" smtClean="0"/>
-              <a:t>Ćwiczenie </a:t>
-            </a:r>
-            <a:r>
-              <a:rPr lang="pl-PL" dirty="0" smtClean="0"/>
-              <a:t>4c: </a:t>
+              <a:t>Ćwiczenie 4c: </a:t>
             </a:r>
             <a:r>
               <a:rPr lang="pl-PL" dirty="0" err="1" smtClean="0"/>
@@ -12499,21 +12346,8 @@
                   <a:schemeClr val="tx1"/>
                 </a:solidFill>
               </a:rPr>
-              <a:t>Ćwiczenie </a:t>
-            </a:r>
-            <a:r>
-              <a:rPr lang="pl-PL" sz="1600" dirty="0" smtClean="0">
-                <a:solidFill>
-                  <a:schemeClr val="tx1"/>
-                </a:solidFill>
-              </a:rPr>
-              <a:t>4c</a:t>
-            </a:r>
-            <a:endParaRPr lang="pl-PL" sz="1600" dirty="0" smtClean="0">
-              <a:solidFill>
-                <a:schemeClr val="tx1"/>
-              </a:solidFill>
-            </a:endParaRPr>
+              <a:t>Ćwiczenie 4c</a:t>
+            </a:r>
           </a:p>
           <a:p>
             <a:pPr algn="ctr"/>
@@ -12595,15 +12429,7 @@
           <a:p>
             <a:r>
               <a:rPr lang="pl-PL" dirty="0" smtClean="0"/>
-              <a:t>Ćwiczenie </a:t>
-            </a:r>
-            <a:r>
-              <a:rPr lang="pl-PL" dirty="0" smtClean="0"/>
-              <a:t>4c</a:t>
-            </a:r>
-            <a:r>
-              <a:rPr lang="pl-PL" dirty="0" smtClean="0"/>
-              <a:t>: </a:t>
+              <a:t>Ćwiczenie 4c: </a:t>
             </a:r>
             <a:r>
               <a:rPr lang="pl-PL" dirty="0" err="1" smtClean="0"/>
@@ -12634,11 +12460,7 @@
           <a:p>
             <a:r>
               <a:rPr lang="pl-PL" dirty="0" smtClean="0"/>
-              <a:t>ĆWICZENIE </a:t>
-            </a:r>
-            <a:r>
-              <a:rPr lang="pl-PL" dirty="0" smtClean="0"/>
-              <a:t>4C</a:t>
+              <a:t>ĆWICZENIE 4C</a:t>
             </a:r>
             <a:endParaRPr lang="de-DE" dirty="0"/>
           </a:p>
@@ -12835,15 +12657,7 @@
           <a:p>
             <a:r>
               <a:rPr lang="pl-PL" dirty="0" smtClean="0"/>
-              <a:t>Ćwiczenie </a:t>
-            </a:r>
-            <a:r>
-              <a:rPr lang="pl-PL" dirty="0" smtClean="0"/>
-              <a:t>4c</a:t>
-            </a:r>
-            <a:r>
-              <a:rPr lang="pl-PL" dirty="0" smtClean="0"/>
-              <a:t>: </a:t>
+              <a:t>Ćwiczenie 4c: </a:t>
             </a:r>
             <a:r>
               <a:rPr lang="pl-PL" dirty="0" err="1" smtClean="0"/>
@@ -12874,11 +12688,7 @@
           <a:p>
             <a:r>
               <a:rPr lang="pl-PL" dirty="0" smtClean="0"/>
-              <a:t>ĆWICZENIE </a:t>
-            </a:r>
-            <a:r>
-              <a:rPr lang="pl-PL" dirty="0" smtClean="0"/>
-              <a:t>4C</a:t>
+              <a:t>ĆWICZENIE 4C</a:t>
             </a:r>
             <a:endParaRPr lang="de-DE" dirty="0"/>
           </a:p>
@@ -13134,15 +12944,7 @@
           <a:p>
             <a:r>
               <a:rPr lang="pl-PL" dirty="0" smtClean="0"/>
-              <a:t>Ćwiczenie </a:t>
-            </a:r>
-            <a:r>
-              <a:rPr lang="pl-PL" dirty="0" smtClean="0"/>
-              <a:t>4c</a:t>
-            </a:r>
-            <a:r>
-              <a:rPr lang="pl-PL" dirty="0" smtClean="0"/>
-              <a:t>: </a:t>
+              <a:t>Ćwiczenie 4c: </a:t>
             </a:r>
             <a:r>
               <a:rPr lang="pl-PL" dirty="0" err="1" smtClean="0"/>
@@ -13173,11 +12975,7 @@
           <a:p>
             <a:r>
               <a:rPr lang="pl-PL" dirty="0" smtClean="0"/>
-              <a:t>ĆWICZENIE </a:t>
-            </a:r>
-            <a:r>
-              <a:rPr lang="pl-PL" dirty="0" smtClean="0"/>
-              <a:t>4C</a:t>
+              <a:t>ĆWICZENIE 4C</a:t>
             </a:r>
             <a:endParaRPr lang="de-DE" dirty="0"/>
           </a:p>
@@ -13219,15 +13017,7 @@
             <a:pPr lvl="1"/>
             <a:r>
               <a:rPr lang="pl-PL" dirty="0" smtClean="0"/>
-              <a:t>Napisz program, będzie odbierał komunikaty </a:t>
-            </a:r>
-            <a:r>
-              <a:rPr lang="pl-PL" dirty="0" smtClean="0"/>
-              <a:t>wysyłane na kanał przez poprzednią aplikację </a:t>
-            </a:r>
-            <a:r>
-              <a:rPr lang="pl-PL" dirty="0" smtClean="0"/>
-              <a:t>i wypisywał ich treść do logów.</a:t>
+              <a:t>Napisz program, będzie odbierał komunikaty wysyłane na kanał przez poprzednią aplikację i wypisywał ich treść do logów.</a:t>
             </a:r>
           </a:p>
           <a:p>
@@ -15711,43 +15501,177 @@
         </p:spPr>
         <p:txBody>
           <a:bodyPr>
-            <a:normAutofit/>
+            <a:normAutofit fontScale="92500" lnSpcReduction="20000"/>
           </a:bodyPr>
           <a:lstStyle/>
           <a:p>
             <a:pPr lvl="1"/>
             <a:r>
               <a:rPr lang="pl-PL" dirty="0" smtClean="0"/>
-              <a:t>Message selector</a:t>
+              <a:t>Typy komunikatów</a:t>
             </a:r>
           </a:p>
           <a:p>
             <a:pPr lvl="2"/>
             <a:r>
               <a:rPr lang="pl-PL" dirty="0" smtClean="0"/>
+              <a:t>Message		zawiera tylko nagłówki i właściwości, bez treśc</a:t>
+            </a:r>
+            <a:r>
+              <a:rPr lang="pl-PL" dirty="0" smtClean="0"/>
+              <a:t>i.</a:t>
+            </a:r>
+            <a:endParaRPr lang="pl-PL" dirty="0" smtClean="0"/>
+          </a:p>
+          <a:p>
+            <a:pPr lvl="2"/>
+            <a:r>
+              <a:rPr lang="pl-PL" dirty="0" err="1" smtClean="0"/>
+              <a:t>TextMessage</a:t>
+            </a:r>
+            <a:r>
+              <a:rPr lang="pl-PL" dirty="0" smtClean="0"/>
+              <a:t>		treść jako String</a:t>
+            </a:r>
+          </a:p>
+          <a:p>
+            <a:pPr lvl="2"/>
+            <a:r>
+              <a:rPr lang="pl-PL" dirty="0" err="1" smtClean="0"/>
+              <a:t>ObjectMessage</a:t>
+            </a:r>
+            <a:r>
+              <a:rPr lang="pl-PL" dirty="0" smtClean="0"/>
+              <a:t>	treść jako </a:t>
+            </a:r>
+            <a:r>
+              <a:rPr lang="pl-PL" dirty="0" err="1" smtClean="0"/>
+              <a:t>zserializowany</a:t>
+            </a:r>
+            <a:r>
+              <a:rPr lang="pl-PL" dirty="0" smtClean="0"/>
+              <a:t> obiekt </a:t>
+            </a:r>
+            <a:r>
+              <a:rPr lang="pl-PL" dirty="0" err="1" smtClean="0"/>
+              <a:t>Javowy</a:t>
+            </a:r>
+            <a:r>
+              <a:rPr lang="pl-PL" dirty="0" smtClean="0"/>
+              <a:t> (</a:t>
+            </a:r>
+            <a:r>
+              <a:rPr lang="pl-PL" dirty="0" err="1" smtClean="0"/>
+              <a:t>implements</a:t>
+            </a:r>
+            <a:r>
+              <a:rPr lang="pl-PL" dirty="0" smtClean="0"/>
+              <a:t> </a:t>
+            </a:r>
+            <a:r>
+              <a:rPr lang="pl-PL" dirty="0" err="1" smtClean="0"/>
+              <a:t>Serializable</a:t>
+            </a:r>
+            <a:r>
+              <a:rPr lang="pl-PL" dirty="0" smtClean="0"/>
+              <a:t>)</a:t>
+            </a:r>
+          </a:p>
+          <a:p>
+            <a:pPr lvl="2"/>
+            <a:r>
+              <a:rPr lang="pl-PL" dirty="0" err="1" smtClean="0"/>
+              <a:t>BytesMessage</a:t>
+            </a:r>
+            <a:r>
+              <a:rPr lang="pl-PL" dirty="0" smtClean="0"/>
+              <a:t>		treść jako tablica bajtów</a:t>
+            </a:r>
+          </a:p>
+          <a:p>
+            <a:pPr lvl="2"/>
+            <a:r>
+              <a:rPr lang="pl-PL" dirty="0" err="1" smtClean="0"/>
+              <a:t>StreamMessage</a:t>
+            </a:r>
+            <a:r>
+              <a:rPr lang="pl-PL" dirty="0" smtClean="0"/>
+              <a:t>	treść jako sekwencja prymitywnych wartości </a:t>
+            </a:r>
+            <a:r>
+              <a:rPr lang="pl-PL" dirty="0" err="1" smtClean="0"/>
+              <a:t>Javowych</a:t>
+            </a:r>
+            <a:r>
+              <a:rPr lang="pl-PL" dirty="0" smtClean="0"/>
+              <a:t> (np. </a:t>
+            </a:r>
+            <a:r>
+              <a:rPr lang="pl-PL" dirty="0" err="1" smtClean="0"/>
+              <a:t>int</a:t>
+            </a:r>
+            <a:r>
+              <a:rPr lang="pl-PL" dirty="0" smtClean="0"/>
+              <a:t>, </a:t>
+            </a:r>
+            <a:r>
+              <a:rPr lang="pl-PL" dirty="0" err="1" smtClean="0"/>
+              <a:t>boolean</a:t>
+            </a:r>
+            <a:r>
+              <a:rPr lang="pl-PL" dirty="0" smtClean="0"/>
+              <a:t>, </a:t>
+            </a:r>
+            <a:r>
+              <a:rPr lang="pl-PL" dirty="0" err="1" smtClean="0"/>
+              <a:t>long</a:t>
+            </a:r>
+            <a:r>
+              <a:rPr lang="pl-PL" dirty="0" smtClean="0"/>
+              <a:t>)</a:t>
+            </a:r>
+          </a:p>
+          <a:p>
+            <a:pPr lvl="2"/>
+            <a:r>
+              <a:rPr lang="pl-PL" dirty="0" err="1" smtClean="0"/>
+              <a:t>MapMessage</a:t>
+            </a:r>
+            <a:r>
+              <a:rPr lang="pl-PL" dirty="0"/>
+              <a:t>	</a:t>
+            </a:r>
+            <a:r>
+              <a:rPr lang="pl-PL" dirty="0" smtClean="0"/>
+              <a:t>	treść jako zbiór par klucz-wartość</a:t>
+            </a:r>
+          </a:p>
+          <a:p>
+            <a:pPr lvl="2"/>
+            <a:endParaRPr lang="pl-PL" dirty="0" smtClean="0"/>
+          </a:p>
+          <a:p>
+            <a:pPr lvl="1"/>
+            <a:r>
+              <a:rPr lang="pl-PL" dirty="0" smtClean="0"/>
+              <a:t>Message </a:t>
+            </a:r>
+            <a:r>
+              <a:rPr lang="pl-PL" dirty="0" smtClean="0"/>
+              <a:t>selector</a:t>
+            </a:r>
+          </a:p>
+          <a:p>
+            <a:pPr lvl="2"/>
+            <a:r>
+              <a:rPr lang="pl-PL" dirty="0" smtClean="0"/>
               <a:t>Pozwala filtrować przychodzące komunikaty w oparciu o wartości nagłówków (headers) i właściwości (properties).</a:t>
             </a:r>
           </a:p>
           <a:p>
-            <a:pPr lvl="1"/>
-            <a:endParaRPr lang="pl-PL" dirty="0" smtClean="0"/>
-          </a:p>
-          <a:p>
-            <a:pPr lvl="1"/>
-            <a:r>
-              <a:rPr lang="pl-PL" dirty="0" smtClean="0"/>
-              <a:t>JMS Queue Browser</a:t>
-            </a:r>
-          </a:p>
-          <a:p>
-            <a:pPr lvl="2"/>
-            <a:r>
-              <a:rPr lang="pl-PL" dirty="0" smtClean="0"/>
-              <a:t>Pozwala przeglądać komunikaty obecne w kolejce bez odbierania ich.</a:t>
-            </a:r>
-          </a:p>
-          <a:p>
-            <a:pPr lvl="2"/>
+            <a:pPr marL="360363" lvl="2" indent="0">
+              <a:buNone/>
+            </a:pPr>
             <a:endParaRPr lang="pl-PL" dirty="0" smtClean="0"/>
           </a:p>
           <a:p>
@@ -15912,7 +15836,7 @@
         </p:spPr>
         <p:txBody>
           <a:bodyPr>
-            <a:normAutofit/>
+            <a:normAutofit lnSpcReduction="10000"/>
           </a:bodyPr>
           <a:lstStyle/>
           <a:p>
@@ -15933,8 +15857,44 @@
             <a:pPr lvl="2"/>
             <a:r>
               <a:rPr lang="pl-PL" dirty="0" smtClean="0"/>
-              <a:t>Tryb dostarczania NON_PERSISTENT – komunikaty nie są trwale zapisywane, przez co mogą zostać utracone w razie awarii brokera.</a:t>
-            </a:r>
+              <a:t>Tryb dostarczania NON_PERSISTENT – komunikaty nie są trwale zapisywane, przez co mogą zostać utracone w razie awarii brokera</a:t>
+            </a:r>
+            <a:r>
+              <a:rPr lang="pl-PL" dirty="0" smtClean="0"/>
+              <a:t>.</a:t>
+            </a:r>
+          </a:p>
+          <a:p>
+            <a:pPr lvl="2"/>
+            <a:endParaRPr lang="pl-PL" dirty="0"/>
+          </a:p>
+          <a:p>
+            <a:pPr lvl="1"/>
+            <a:r>
+              <a:rPr lang="pl-PL" dirty="0"/>
+              <a:t>JMS Queue </a:t>
+            </a:r>
+            <a:r>
+              <a:rPr lang="pl-PL" dirty="0" err="1"/>
+              <a:t>Browser</a:t>
+            </a:r>
+            <a:endParaRPr lang="pl-PL" dirty="0"/>
+          </a:p>
+          <a:p>
+            <a:pPr lvl="2"/>
+            <a:r>
+              <a:rPr lang="pl-PL" dirty="0"/>
+              <a:t>Pozwala przeglądać komunikaty obecne w kolejce bez odbierania </a:t>
+            </a:r>
+            <a:r>
+              <a:rPr lang="pl-PL"/>
+              <a:t>ich</a:t>
+            </a:r>
+            <a:r>
+              <a:rPr lang="pl-PL" smtClean="0"/>
+              <a:t>.</a:t>
+            </a:r>
+            <a:endParaRPr lang="pl-PL" dirty="0" smtClean="0"/>
           </a:p>
           <a:p>
             <a:pPr lvl="2"/>
@@ -16505,7 +16465,7 @@
   <a:extraClrSchemeLst/>
   <a:extLst>
     <a:ext uri="{05A4C25C-085E-4340-85A3-A5531E510DB2}">
-      <thm15:themeFamily xmlns:thm15="http://schemas.microsoft.com/office/thememl/2012/main" xmlns="" name="GFT_Chartpool_2015.pptx" id="{A28C9458-9558-44C8-89F4-D7A2CBC04405}" vid="{0F156D25-70FA-498B-891B-4FDE46BF1046}"/>
+      <thm15:themeFamily xmlns="" xmlns:thm15="http://schemas.microsoft.com/office/thememl/2012/main" name="GFT_Chartpool_2015.pptx" id="{A28C9458-9558-44C8-89F4-D7A2CBC04405}" vid="{0F156D25-70FA-498B-891B-4FDE46BF1046}"/>
     </a:ext>
   </a:extLst>
 </a:theme>
@@ -17152,87 +17112,6 @@
 </file>
 
 <file path=customXml/item1.xml><?xml version="1.0" encoding="utf-8"?>
-<?mso-contentType ?>
-<spe:Receivers xmlns:spe="http://schemas.microsoft.com/sharepoint/events">
-  <Receiver>
-    <Name>Document ID Generator</Name>
-    <Synchronization>Synchronous</Synchronization>
-    <Type>10001</Type>
-    <SequenceNumber>1000</SequenceNumber>
-    <Assembly>Microsoft.Office.DocumentManagement, Version=14.0.0.0, Culture=neutral, PublicKeyToken=71e9bce111e9429c</Assembly>
-    <Class>Microsoft.Office.DocumentManagement.Internal.DocIdHandler</Class>
-    <Data/>
-    <Filter/>
-  </Receiver>
-  <Receiver>
-    <Name>Document ID Generator</Name>
-    <Synchronization>Synchronous</Synchronization>
-    <Type>10002</Type>
-    <SequenceNumber>1001</SequenceNumber>
-    <Assembly>Microsoft.Office.DocumentManagement, Version=14.0.0.0, Culture=neutral, PublicKeyToken=71e9bce111e9429c</Assembly>
-    <Class>Microsoft.Office.DocumentManagement.Internal.DocIdHandler</Class>
-    <Data/>
-    <Filter/>
-  </Receiver>
-  <Receiver>
-    <Name>Document ID Generator</Name>
-    <Synchronization>Synchronous</Synchronization>
-    <Type>10004</Type>
-    <SequenceNumber>1002</SequenceNumber>
-    <Assembly>Microsoft.Office.DocumentManagement, Version=14.0.0.0, Culture=neutral, PublicKeyToken=71e9bce111e9429c</Assembly>
-    <Class>Microsoft.Office.DocumentManagement.Internal.DocIdHandler</Class>
-    <Data/>
-    <Filter/>
-  </Receiver>
-  <Receiver>
-    <Name>Document ID Generator</Name>
-    <Synchronization>Synchronous</Synchronization>
-    <Type>10006</Type>
-    <SequenceNumber>1003</SequenceNumber>
-    <Assembly>Microsoft.Office.DocumentManagement, Version=14.0.0.0, Culture=neutral, PublicKeyToken=71e9bce111e9429c</Assembly>
-    <Class>Microsoft.Office.DocumentManagement.Internal.DocIdHandler</Class>
-    <Data/>
-    <Filter/>
-  </Receiver>
-</spe:Receivers>
-</file>
-
-<file path=customXml/item2.xml><?xml version="1.0" encoding="utf-8"?>
-<p:properties xmlns:p="http://schemas.microsoft.com/office/2006/metadata/properties" xmlns:xsi="http://www.w3.org/2001/XMLSchema-instance" xmlns:pc="http://schemas.microsoft.com/office/infopath/2007/PartnerControls">
-  <documentManagement>
-    <_dlc_DocId xmlns="727178e8-9586-4f49-8e7b-77af9c2fb085">CVD5QAC74SYH-2-13943</_dlc_DocId>
-    <_dlc_DocIdUrl xmlns="727178e8-9586-4f49-8e7b-77af9c2fb085">
-      <Url>https://share.gft.com/sites/Corporate-Marketing/_layouts/DocIdRedir.aspx?ID=CVD5QAC74SYH-2-13943</Url>
-      <Description>CVD5QAC74SYH-2-13943</Description>
-    </_dlc_DocIdUrl>
-    <Functional_x0020_Area xmlns="e44e039f-c551-4112-981c-456f1b630ef1">Functional Area 1</Functional_x0020_Area>
-    <Reference_x0020_Title xmlns="e44e039f-c551-4112-981c-456f1b630ef1" xsi:nil="true"/>
-    <Area xmlns="e44e039f-c551-4112-981c-456f1b630ef1">Area 1</Area>
-    <Project_x0020_size_x0020__x0028_resources_x0029_ xmlns="e44e039f-c551-4112-981c-456f1b630ef1" xsi:nil="true"/>
-    <Comments xmlns="e44e039f-c551-4112-981c-456f1b630ef1" xsi:nil="true"/>
-    <Business_x0020_Sector xmlns="e44e039f-c551-4112-981c-456f1b630ef1">Banking</Business_x0020_Sector>
-    <Client_x0020_Category xmlns="e44e039f-c551-4112-981c-456f1b630ef1">Central</Client_x0020_Category>
-    <Methods_x0020_and_x0020_standards xmlns="e44e039f-c551-4112-981c-456f1b630ef1" xsi:nil="true"/>
-    <Responsible xmlns="e44e039f-c551-4112-981c-456f1b630ef1">Marek Strejczek</Responsible>
-    <Client_x0020_Name xmlns="e44e039f-c551-4112-981c-456f1b630ef1" xsi:nil="true"/>
-    <Client_x0020_approval xmlns="e44e039f-c551-4112-981c-456f1b630ef1">No</Client_x0020_approval>
-    <Plattform_x0020__x0026__x0020_tools xmlns="e44e039f-c551-4112-981c-456f1b630ef1" xsi:nil="true"/>
-    <Project_x0020_ID xmlns="e44e039f-c551-4112-981c-456f1b630ef1" xsi:nil="true"/>
-    <Description0 xmlns="e44e039f-c551-4112-981c-456f1b630ef1" xsi:nil="true"/>
-    <Author_x0020__x002f__x0020_Contact xmlns="e44e039f-c551-4112-981c-456f1b630ef1">
-      <UserInfo>
-        <DisplayName/>
-        <AccountId xsi:nil="true"/>
-        <AccountType/>
-      </UserInfo>
-    </Author_x0020__x002f__x0020_Contact>
-    <Client_x0020_Country xmlns="e44e039f-c551-4112-981c-456f1b630ef1">Germany</Client_x0020_Country>
-    <Year xmlns="e44e039f-c551-4112-981c-456f1b630ef1" xsi:nil="true"/>
-  </documentManagement>
-</p:properties>
-</file>
-
-<file path=customXml/item3.xml><?xml version="1.0" encoding="utf-8"?>
 <ct:contentTypeSchema xmlns:ct="http://schemas.microsoft.com/office/2006/metadata/contentType" xmlns:ma="http://schemas.microsoft.com/office/2006/metadata/properties/metaAttributes" ct:_="" ma:_="" ma:contentTypeName="Document" ma:contentTypeID="0x010100793B9935CA02AD4F90F0A0FD564FDD82" ma:contentTypeVersion="17" ma:contentTypeDescription="Create a new document." ma:contentTypeScope="" ma:versionID="6168266ad0b2c1ccdc9d2ae0268a5eb6">
   <xsd:schema xmlns:xsd="http://www.w3.org/2001/XMLSchema" xmlns:xs="http://www.w3.org/2001/XMLSchema" xmlns:p="http://schemas.microsoft.com/office/2006/metadata/properties" xmlns:ns2="e44e039f-c551-4112-981c-456f1b630ef1" xmlns:ns3="727178e8-9586-4f49-8e7b-77af9c2fb085" targetNamespace="http://schemas.microsoft.com/office/2006/metadata/properties" ma:root="true" ma:fieldsID="b9b29daf9bb73cd90369de1b0e977594" ns2:_="" ns3:_="">
     <xsd:import namespace="e44e039f-c551-4112-981c-456f1b630ef1"/>
@@ -17729,6 +17608,87 @@
 </ct:contentTypeSchema>
 </file>
 
+<file path=customXml/item2.xml><?xml version="1.0" encoding="utf-8"?>
+<p:properties xmlns:p="http://schemas.microsoft.com/office/2006/metadata/properties" xmlns:xsi="http://www.w3.org/2001/XMLSchema-instance" xmlns:pc="http://schemas.microsoft.com/office/infopath/2007/PartnerControls">
+  <documentManagement>
+    <_dlc_DocId xmlns="727178e8-9586-4f49-8e7b-77af9c2fb085">CVD5QAC74SYH-2-13943</_dlc_DocId>
+    <_dlc_DocIdUrl xmlns="727178e8-9586-4f49-8e7b-77af9c2fb085">
+      <Url>https://share.gft.com/sites/Corporate-Marketing/_layouts/DocIdRedir.aspx?ID=CVD5QAC74SYH-2-13943</Url>
+      <Description>CVD5QAC74SYH-2-13943</Description>
+    </_dlc_DocIdUrl>
+    <Functional_x0020_Area xmlns="e44e039f-c551-4112-981c-456f1b630ef1">Functional Area 1</Functional_x0020_Area>
+    <Reference_x0020_Title xmlns="e44e039f-c551-4112-981c-456f1b630ef1" xsi:nil="true"/>
+    <Area xmlns="e44e039f-c551-4112-981c-456f1b630ef1">Area 1</Area>
+    <Project_x0020_size_x0020__x0028_resources_x0029_ xmlns="e44e039f-c551-4112-981c-456f1b630ef1" xsi:nil="true"/>
+    <Comments xmlns="e44e039f-c551-4112-981c-456f1b630ef1" xsi:nil="true"/>
+    <Business_x0020_Sector xmlns="e44e039f-c551-4112-981c-456f1b630ef1">Banking</Business_x0020_Sector>
+    <Client_x0020_Category xmlns="e44e039f-c551-4112-981c-456f1b630ef1">Central</Client_x0020_Category>
+    <Methods_x0020_and_x0020_standards xmlns="e44e039f-c551-4112-981c-456f1b630ef1" xsi:nil="true"/>
+    <Responsible xmlns="e44e039f-c551-4112-981c-456f1b630ef1">Marek Strejczek</Responsible>
+    <Client_x0020_Name xmlns="e44e039f-c551-4112-981c-456f1b630ef1" xsi:nil="true"/>
+    <Client_x0020_approval xmlns="e44e039f-c551-4112-981c-456f1b630ef1">No</Client_x0020_approval>
+    <Plattform_x0020__x0026__x0020_tools xmlns="e44e039f-c551-4112-981c-456f1b630ef1" xsi:nil="true"/>
+    <Project_x0020_ID xmlns="e44e039f-c551-4112-981c-456f1b630ef1" xsi:nil="true"/>
+    <Description0 xmlns="e44e039f-c551-4112-981c-456f1b630ef1" xsi:nil="true"/>
+    <Author_x0020__x002f__x0020_Contact xmlns="e44e039f-c551-4112-981c-456f1b630ef1">
+      <UserInfo>
+        <DisplayName/>
+        <AccountId xsi:nil="true"/>
+        <AccountType/>
+      </UserInfo>
+    </Author_x0020__x002f__x0020_Contact>
+    <Client_x0020_Country xmlns="e44e039f-c551-4112-981c-456f1b630ef1">Germany</Client_x0020_Country>
+    <Year xmlns="e44e039f-c551-4112-981c-456f1b630ef1" xsi:nil="true"/>
+  </documentManagement>
+</p:properties>
+</file>
+
+<file path=customXml/item3.xml><?xml version="1.0" encoding="utf-8"?>
+<?mso-contentType ?>
+<spe:Receivers xmlns:spe="http://schemas.microsoft.com/sharepoint/events">
+  <Receiver>
+    <Name>Document ID Generator</Name>
+    <Synchronization>Synchronous</Synchronization>
+    <Type>10001</Type>
+    <SequenceNumber>1000</SequenceNumber>
+    <Assembly>Microsoft.Office.DocumentManagement, Version=14.0.0.0, Culture=neutral, PublicKeyToken=71e9bce111e9429c</Assembly>
+    <Class>Microsoft.Office.DocumentManagement.Internal.DocIdHandler</Class>
+    <Data/>
+    <Filter/>
+  </Receiver>
+  <Receiver>
+    <Name>Document ID Generator</Name>
+    <Synchronization>Synchronous</Synchronization>
+    <Type>10002</Type>
+    <SequenceNumber>1001</SequenceNumber>
+    <Assembly>Microsoft.Office.DocumentManagement, Version=14.0.0.0, Culture=neutral, PublicKeyToken=71e9bce111e9429c</Assembly>
+    <Class>Microsoft.Office.DocumentManagement.Internal.DocIdHandler</Class>
+    <Data/>
+    <Filter/>
+  </Receiver>
+  <Receiver>
+    <Name>Document ID Generator</Name>
+    <Synchronization>Synchronous</Synchronization>
+    <Type>10004</Type>
+    <SequenceNumber>1002</SequenceNumber>
+    <Assembly>Microsoft.Office.DocumentManagement, Version=14.0.0.0, Culture=neutral, PublicKeyToken=71e9bce111e9429c</Assembly>
+    <Class>Microsoft.Office.DocumentManagement.Internal.DocIdHandler</Class>
+    <Data/>
+    <Filter/>
+  </Receiver>
+  <Receiver>
+    <Name>Document ID Generator</Name>
+    <Synchronization>Synchronous</Synchronization>
+    <Type>10006</Type>
+    <SequenceNumber>1003</SequenceNumber>
+    <Assembly>Microsoft.Office.DocumentManagement, Version=14.0.0.0, Culture=neutral, PublicKeyToken=71e9bce111e9429c</Assembly>
+    <Class>Microsoft.Office.DocumentManagement.Internal.DocIdHandler</Class>
+    <Data/>
+    <Filter/>
+  </Receiver>
+</spe:Receivers>
+</file>
+
 <file path=customXml/item4.xml><?xml version="1.0" encoding="utf-8"?>
 <?mso-contentType ?>
 <FormTemplates xmlns="http://schemas.microsoft.com/sharepoint/v3/contenttype/forms">
@@ -17739,9 +17699,20 @@
 </file>
 
 <file path=customXml/itemProps1.xml><?xml version="1.0" encoding="utf-8"?>
-<ds:datastoreItem xmlns:ds="http://schemas.openxmlformats.org/officeDocument/2006/customXml" ds:itemID="{A6F3EA8F-EBA0-438A-80BD-6A96E2E10054}">
+<ds:datastoreItem xmlns:ds="http://schemas.openxmlformats.org/officeDocument/2006/customXml" ds:itemID="{54CA1130-EAC1-4116-82E4-DF5A51FE3AEA}">
   <ds:schemaRefs>
-    <ds:schemaRef ds:uri="http://schemas.microsoft.com/sharepoint/events"/>
+    <ds:schemaRef ds:uri="http://schemas.microsoft.com/office/2006/metadata/contentType"/>
+    <ds:schemaRef ds:uri="http://schemas.microsoft.com/office/2006/metadata/properties/metaAttributes"/>
+    <ds:schemaRef ds:uri="http://www.w3.org/2001/XMLSchema"/>
+    <ds:schemaRef ds:uri="http://schemas.microsoft.com/office/2006/metadata/properties"/>
+    <ds:schemaRef ds:uri="e44e039f-c551-4112-981c-456f1b630ef1"/>
+    <ds:schemaRef ds:uri="727178e8-9586-4f49-8e7b-77af9c2fb085"/>
+    <ds:schemaRef ds:uri="http://schemas.microsoft.com/office/2006/documentManagement/types"/>
+    <ds:schemaRef ds:uri="http://schemas.microsoft.com/office/infopath/2007/PartnerControls"/>
+    <ds:schemaRef ds:uri="http://schemas.openxmlformats.org/package/2006/metadata/core-properties"/>
+    <ds:schemaRef ds:uri="http://purl.org/dc/elements/1.1/"/>
+    <ds:schemaRef ds:uri="http://purl.org/dc/terms/"/>
+    <ds:schemaRef ds:uri="http://schemas.microsoft.com/internal/obd"/>
   </ds:schemaRefs>
 </ds:datastoreItem>
 </file>
@@ -17764,20 +17735,9 @@
 </file>
 
 <file path=customXml/itemProps3.xml><?xml version="1.0" encoding="utf-8"?>
-<ds:datastoreItem xmlns:ds="http://schemas.openxmlformats.org/officeDocument/2006/customXml" ds:itemID="{54CA1130-EAC1-4116-82E4-DF5A51FE3AEA}">
+<ds:datastoreItem xmlns:ds="http://schemas.openxmlformats.org/officeDocument/2006/customXml" ds:itemID="{A6F3EA8F-EBA0-438A-80BD-6A96E2E10054}">
   <ds:schemaRefs>
-    <ds:schemaRef ds:uri="http://schemas.microsoft.com/office/2006/metadata/contentType"/>
-    <ds:schemaRef ds:uri="http://schemas.microsoft.com/office/2006/metadata/properties/metaAttributes"/>
-    <ds:schemaRef ds:uri="http://www.w3.org/2001/XMLSchema"/>
-    <ds:schemaRef ds:uri="http://schemas.microsoft.com/office/2006/metadata/properties"/>
-    <ds:schemaRef ds:uri="e44e039f-c551-4112-981c-456f1b630ef1"/>
-    <ds:schemaRef ds:uri="727178e8-9586-4f49-8e7b-77af9c2fb085"/>
-    <ds:schemaRef ds:uri="http://schemas.microsoft.com/office/2006/documentManagement/types"/>
-    <ds:schemaRef ds:uri="http://schemas.microsoft.com/office/infopath/2007/PartnerControls"/>
-    <ds:schemaRef ds:uri="http://schemas.openxmlformats.org/package/2006/metadata/core-properties"/>
-    <ds:schemaRef ds:uri="http://purl.org/dc/elements/1.1/"/>
-    <ds:schemaRef ds:uri="http://purl.org/dc/terms/"/>
-    <ds:schemaRef ds:uri="http://schemas.microsoft.com/internal/obd"/>
+    <ds:schemaRef ds:uri="http://schemas.microsoft.com/sharepoint/events"/>
   </ds:schemaRefs>
 </ds:datastoreItem>
 </file>

--- a/WDSR - ćwiczenie 4.pptx
+++ b/WDSR - ćwiczenie 4.pptx
@@ -137,7 +137,7 @@
   </p:defaultTextStyle>
   <p:extLst>
     <p:ext uri="{EFAFB233-063F-42B5-8137-9DF3F51BA10A}">
-      <p15:sldGuideLst xmlns="" xmlns:p15="http://schemas.microsoft.com/office/powerpoint/2012/main">
+      <p15:sldGuideLst xmlns:p15="http://schemas.microsoft.com/office/powerpoint/2012/main">
         <p15:guide id="1" orient="horz" pos="1620">
           <p15:clr>
             <a:srgbClr val="A4A3A4"/>
@@ -171,7 +171,7 @@
       </p15:sldGuideLst>
     </p:ext>
     <p:ext uri="{2D200454-40CA-4A62-9FC3-DE9A4176ACB9}">
-      <p15:notesGuideLst xmlns="" xmlns:p15="http://schemas.microsoft.com/office/powerpoint/2012/main"/>
+      <p15:notesGuideLst xmlns:p15="http://schemas.microsoft.com/office/powerpoint/2012/main"/>
     </p:ext>
   </p:extLst>
 </p:presentation>
@@ -266,7 +266,7 @@
             <a:fld id="{C4843D26-F355-3844-A4EF-19D4FD875597}" type="datetimeFigureOut">
               <a:rPr lang="de-DE" smtClean="0"/>
               <a:pPr/>
-              <a:t>26.04.2016</a:t>
+              <a:t>22.02.2017</a:t>
             </a:fld>
             <a:endParaRPr lang="de-DE" dirty="0"/>
           </a:p>
@@ -434,7 +434,7 @@
             <a:fld id="{8E2CFE12-C1FB-D740-8B6C-AFB72D5D4002}" type="datetimeFigureOut">
               <a:rPr lang="de-DE" smtClean="0"/>
               <a:pPr/>
-              <a:t>26.04.2016</a:t>
+              <a:t>22.02.2017</a:t>
             </a:fld>
             <a:endParaRPr lang="de-DE" dirty="0"/>
           </a:p>
@@ -3557,7 +3557,7 @@
   </p:timing>
   <p:extLst mod="1">
     <p:ext uri="{DCECCB84-F9BA-43D5-87BE-67443E8EF086}">
-      <p15:sldGuideLst xmlns="" xmlns:p15="http://schemas.microsoft.com/office/powerpoint/2012/main">
+      <p15:sldGuideLst xmlns:p15="http://schemas.microsoft.com/office/powerpoint/2012/main">
         <p15:guide id="1" orient="horz" pos="1221">
           <p15:clr>
             <a:srgbClr val="C35EA4"/>
@@ -3890,7 +3890,7 @@
   </p:clrMapOvr>
   <p:extLst mod="1">
     <p:ext uri="{DCECCB84-F9BA-43D5-87BE-67443E8EF086}">
-      <p15:sldGuideLst xmlns="" xmlns:p15="http://schemas.microsoft.com/office/powerpoint/2012/main">
+      <p15:sldGuideLst xmlns:p15="http://schemas.microsoft.com/office/powerpoint/2012/main">
         <p15:guide id="1" orient="horz" pos="1221">
           <p15:clr>
             <a:srgbClr val="C35EA4"/>
@@ -4629,7 +4629,7 @@
           <a:graphicData uri="http://schemas.openxmlformats.org/presentationml/2006/ole">
             <mc:AlternateContent xmlns:mc="http://schemas.openxmlformats.org/markup-compatibility/2006">
               <mc:Choice xmlns:v="urn:schemas-microsoft-com:vml" Requires="v">
-                <p:oleObj spid="_x0000_s2338" name="think-cell Folie" r:id="rId4" imgW="305" imgH="303" progId="TCLayout.ActiveDocument.1">
+                <p:oleObj spid="_x0000_s2339" name="think-cell Folie" r:id="rId4" imgW="305" imgH="303" progId="TCLayout.ActiveDocument.1">
                   <p:embed/>
                 </p:oleObj>
               </mc:Choice>
@@ -5026,7 +5026,7 @@
           <a:graphicData uri="http://schemas.openxmlformats.org/presentationml/2006/ole">
             <mc:AlternateContent xmlns:mc="http://schemas.openxmlformats.org/markup-compatibility/2006">
               <mc:Choice xmlns:v="urn:schemas-microsoft-com:vml" Requires="v">
-                <p:oleObj spid="_x0000_s1319" name="think-cell Folie" r:id="rId13" imgW="305" imgH="303" progId="TCLayout.ActiveDocument.1">
+                <p:oleObj spid="_x0000_s1320" name="think-cell Folie" r:id="rId13" imgW="305" imgH="303" progId="TCLayout.ActiveDocument.1">
                   <p:embed/>
                 </p:oleObj>
               </mc:Choice>
@@ -6234,7 +6234,7 @@
   </p:txStyles>
   <p:extLst mod="1">
     <p:ext uri="{27BBF7A9-308A-43DC-89C8-2F10F3537804}">
-      <p15:sldGuideLst xmlns="" xmlns:p15="http://schemas.microsoft.com/office/powerpoint/2012/main">
+      <p15:sldGuideLst xmlns:p15="http://schemas.microsoft.com/office/powerpoint/2012/main">
         <p15:guide id="1" pos="283">
           <p15:clr>
             <a:srgbClr val="FBAE40"/>
@@ -6337,8 +6337,8 @@
         </p:nvSpPr>
         <p:spPr>
           <a:xfrm>
-            <a:off x="976312" y="4178885"/>
-            <a:ext cx="5232400" cy="507831"/>
+            <a:off x="976312" y="4009608"/>
+            <a:ext cx="5232400" cy="677108"/>
           </a:xfrm>
         </p:spPr>
         <p:txBody>
@@ -6347,15 +6347,26 @@
           <a:p>
             <a:r>
               <a:rPr lang="pl-PL" dirty="0" smtClean="0"/>
-              <a:t>Marek Strejczek</a:t>
+              <a:t>Autor: Marek Strejczek</a:t>
+            </a:r>
+          </a:p>
+          <a:p>
+            <a:r>
+              <a:rPr lang="pl-PL" dirty="0" smtClean="0"/>
+              <a:t>Prowadzący: Daniel Boguszewicz</a:t>
             </a:r>
             <a:endParaRPr lang="de-DE" dirty="0" smtClean="0"/>
           </a:p>
           <a:p>
             <a:r>
               <a:rPr lang="pl-PL" dirty="0" smtClean="0"/>
-              <a:t>Lato 2016</a:t>
-            </a:r>
+              <a:t>Lato </a:t>
+            </a:r>
+            <a:r>
+              <a:rPr lang="pl-PL" dirty="0" smtClean="0"/>
+              <a:t>2017</a:t>
+            </a:r>
+            <a:endParaRPr lang="pl-PL" dirty="0" smtClean="0"/>
           </a:p>
           <a:p>
             <a:r>
@@ -6639,7 +6650,7 @@
               <a:rPr lang="pl-PL" dirty="0" smtClean="0">
                 <a:hlinkClick r:id="rId3"/>
               </a:rPr>
-              <a:t>github.com/wdsr/exercise4</a:t>
+              <a:t>github.com/leinadb/exercise4</a:t>
             </a:r>
             <a:endParaRPr lang="pl-PL" dirty="0" smtClean="0"/>
           </a:p>
@@ -13233,14 +13244,14 @@
           <a:p>
             <a:r>
               <a:rPr lang="pl-PL" dirty="0" smtClean="0"/>
-              <a:t>Marek Strejczek</a:t>
+              <a:t>Daniel Boguszewicz</a:t>
             </a:r>
             <a:endParaRPr lang="de-DE" dirty="0"/>
           </a:p>
           <a:p>
             <a:r>
               <a:rPr lang="pl-PL" dirty="0" smtClean="0"/>
-              <a:t>Technical Architect</a:t>
+              <a:t>Java Developer</a:t>
             </a:r>
             <a:endParaRPr lang="de-DE" dirty="0"/>
           </a:p>
@@ -13272,8 +13283,8 @@
           </a:p>
           <a:p>
             <a:r>
-              <a:rPr lang="pl-PL" dirty="0" err="1" smtClean="0"/>
-              <a:t>marek.strejczek</a:t>
+              <a:rPr lang="pl-PL" dirty="0" smtClean="0"/>
+              <a:t>daniel.boguszewicz</a:t>
             </a:r>
             <a:r>
               <a:rPr lang="de-DE" dirty="0" smtClean="0"/>
@@ -15515,13 +15526,8 @@
             <a:pPr lvl="2"/>
             <a:r>
               <a:rPr lang="pl-PL" dirty="0" smtClean="0"/>
-              <a:t>Message		zawiera tylko nagłówki i właściwości, bez treśc</a:t>
-            </a:r>
-            <a:r>
-              <a:rPr lang="pl-PL" dirty="0" smtClean="0"/>
-              <a:t>i.</a:t>
-            </a:r>
-            <a:endParaRPr lang="pl-PL" dirty="0" smtClean="0"/>
+              <a:t>Message		zawiera tylko nagłówki i właściwości, bez treści.</a:t>
+            </a:r>
           </a:p>
           <a:p>
             <a:pPr lvl="2"/>
@@ -15654,11 +15660,7 @@
             <a:pPr lvl="1"/>
             <a:r>
               <a:rPr lang="pl-PL" dirty="0" smtClean="0"/>
-              <a:t>Message </a:t>
-            </a:r>
-            <a:r>
-              <a:rPr lang="pl-PL" dirty="0" smtClean="0"/>
-              <a:t>selector</a:t>
+              <a:t>Message selector</a:t>
             </a:r>
           </a:p>
           <a:p>
@@ -15857,11 +15859,7 @@
             <a:pPr lvl="2"/>
             <a:r>
               <a:rPr lang="pl-PL" dirty="0" smtClean="0"/>
-              <a:t>Tryb dostarczania NON_PERSISTENT – komunikaty nie są trwale zapisywane, przez co mogą zostać utracone w razie awarii brokera</a:t>
-            </a:r>
-            <a:r>
-              <a:rPr lang="pl-PL" dirty="0" smtClean="0"/>
-              <a:t>.</a:t>
+              <a:t>Tryb dostarczania NON_PERSISTENT – komunikaty nie są trwale zapisywane, przez co mogą zostać utracone w razie awarii brokera.</a:t>
             </a:r>
           </a:p>
           <a:p>
@@ -16465,7 +16463,7 @@
   <a:extraClrSchemeLst/>
   <a:extLst>
     <a:ext uri="{05A4C25C-085E-4340-85A3-A5531E510DB2}">
-      <thm15:themeFamily xmlns="" xmlns:thm15="http://schemas.microsoft.com/office/thememl/2012/main" name="GFT_Chartpool_2015.pptx" id="{A28C9458-9558-44C8-89F4-D7A2CBC04405}" vid="{0F156D25-70FA-498B-891B-4FDE46BF1046}"/>
+      <thm15:themeFamily xmlns:thm15="http://schemas.microsoft.com/office/thememl/2012/main" name="GFT_Chartpool_2015.pptx" id="{A28C9458-9558-44C8-89F4-D7A2CBC04405}" vid="{0F156D25-70FA-498B-891B-4FDE46BF1046}"/>
     </a:ext>
   </a:extLst>
 </a:theme>
@@ -17112,6 +17110,41 @@
 </file>
 
 <file path=customXml/item1.xml><?xml version="1.0" encoding="utf-8"?>
+<p:properties xmlns:p="http://schemas.microsoft.com/office/2006/metadata/properties" xmlns:xsi="http://www.w3.org/2001/XMLSchema-instance" xmlns:pc="http://schemas.microsoft.com/office/infopath/2007/PartnerControls">
+  <documentManagement>
+    <_dlc_DocId xmlns="727178e8-9586-4f49-8e7b-77af9c2fb085">CVD5QAC74SYH-2-13943</_dlc_DocId>
+    <_dlc_DocIdUrl xmlns="727178e8-9586-4f49-8e7b-77af9c2fb085">
+      <Url>https://share.gft.com/sites/Corporate-Marketing/_layouts/DocIdRedir.aspx?ID=CVD5QAC74SYH-2-13943</Url>
+      <Description>CVD5QAC74SYH-2-13943</Description>
+    </_dlc_DocIdUrl>
+    <Functional_x0020_Area xmlns="e44e039f-c551-4112-981c-456f1b630ef1">Functional Area 1</Functional_x0020_Area>
+    <Reference_x0020_Title xmlns="e44e039f-c551-4112-981c-456f1b630ef1" xsi:nil="true"/>
+    <Area xmlns="e44e039f-c551-4112-981c-456f1b630ef1">Area 1</Area>
+    <Project_x0020_size_x0020__x0028_resources_x0029_ xmlns="e44e039f-c551-4112-981c-456f1b630ef1" xsi:nil="true"/>
+    <Comments xmlns="e44e039f-c551-4112-981c-456f1b630ef1" xsi:nil="true"/>
+    <Business_x0020_Sector xmlns="e44e039f-c551-4112-981c-456f1b630ef1">Banking</Business_x0020_Sector>
+    <Client_x0020_Category xmlns="e44e039f-c551-4112-981c-456f1b630ef1">Central</Client_x0020_Category>
+    <Methods_x0020_and_x0020_standards xmlns="e44e039f-c551-4112-981c-456f1b630ef1" xsi:nil="true"/>
+    <Responsible xmlns="e44e039f-c551-4112-981c-456f1b630ef1">Marek Strejczek</Responsible>
+    <Client_x0020_Name xmlns="e44e039f-c551-4112-981c-456f1b630ef1" xsi:nil="true"/>
+    <Client_x0020_approval xmlns="e44e039f-c551-4112-981c-456f1b630ef1">No</Client_x0020_approval>
+    <Plattform_x0020__x0026__x0020_tools xmlns="e44e039f-c551-4112-981c-456f1b630ef1" xsi:nil="true"/>
+    <Project_x0020_ID xmlns="e44e039f-c551-4112-981c-456f1b630ef1" xsi:nil="true"/>
+    <Description0 xmlns="e44e039f-c551-4112-981c-456f1b630ef1" xsi:nil="true"/>
+    <Author_x0020__x002f__x0020_Contact xmlns="e44e039f-c551-4112-981c-456f1b630ef1">
+      <UserInfo>
+        <DisplayName/>
+        <AccountId xsi:nil="true"/>
+        <AccountType/>
+      </UserInfo>
+    </Author_x0020__x002f__x0020_Contact>
+    <Client_x0020_Country xmlns="e44e039f-c551-4112-981c-456f1b630ef1">Germany</Client_x0020_Country>
+    <Year xmlns="e44e039f-c551-4112-981c-456f1b630ef1" xsi:nil="true"/>
+  </documentManagement>
+</p:properties>
+</file>
+
+<file path=customXml/item2.xml><?xml version="1.0" encoding="utf-8"?>
 <ct:contentTypeSchema xmlns:ct="http://schemas.microsoft.com/office/2006/metadata/contentType" xmlns:ma="http://schemas.microsoft.com/office/2006/metadata/properties/metaAttributes" ct:_="" ma:_="" ma:contentTypeName="Document" ma:contentTypeID="0x010100793B9935CA02AD4F90F0A0FD564FDD82" ma:contentTypeVersion="17" ma:contentTypeDescription="Create a new document." ma:contentTypeScope="" ma:versionID="6168266ad0b2c1ccdc9d2ae0268a5eb6">
   <xsd:schema xmlns:xsd="http://www.w3.org/2001/XMLSchema" xmlns:xs="http://www.w3.org/2001/XMLSchema" xmlns:p="http://schemas.microsoft.com/office/2006/metadata/properties" xmlns:ns2="e44e039f-c551-4112-981c-456f1b630ef1" xmlns:ns3="727178e8-9586-4f49-8e7b-77af9c2fb085" targetNamespace="http://schemas.microsoft.com/office/2006/metadata/properties" ma:root="true" ma:fieldsID="b9b29daf9bb73cd90369de1b0e977594" ns2:_="" ns3:_="">
     <xsd:import namespace="e44e039f-c551-4112-981c-456f1b630ef1"/>
@@ -17608,42 +17641,16 @@
 </ct:contentTypeSchema>
 </file>
 
-<file path=customXml/item2.xml><?xml version="1.0" encoding="utf-8"?>
-<p:properties xmlns:p="http://schemas.microsoft.com/office/2006/metadata/properties" xmlns:xsi="http://www.w3.org/2001/XMLSchema-instance" xmlns:pc="http://schemas.microsoft.com/office/infopath/2007/PartnerControls">
-  <documentManagement>
-    <_dlc_DocId xmlns="727178e8-9586-4f49-8e7b-77af9c2fb085">CVD5QAC74SYH-2-13943</_dlc_DocId>
-    <_dlc_DocIdUrl xmlns="727178e8-9586-4f49-8e7b-77af9c2fb085">
-      <Url>https://share.gft.com/sites/Corporate-Marketing/_layouts/DocIdRedir.aspx?ID=CVD5QAC74SYH-2-13943</Url>
-      <Description>CVD5QAC74SYH-2-13943</Description>
-    </_dlc_DocIdUrl>
-    <Functional_x0020_Area xmlns="e44e039f-c551-4112-981c-456f1b630ef1">Functional Area 1</Functional_x0020_Area>
-    <Reference_x0020_Title xmlns="e44e039f-c551-4112-981c-456f1b630ef1" xsi:nil="true"/>
-    <Area xmlns="e44e039f-c551-4112-981c-456f1b630ef1">Area 1</Area>
-    <Project_x0020_size_x0020__x0028_resources_x0029_ xmlns="e44e039f-c551-4112-981c-456f1b630ef1" xsi:nil="true"/>
-    <Comments xmlns="e44e039f-c551-4112-981c-456f1b630ef1" xsi:nil="true"/>
-    <Business_x0020_Sector xmlns="e44e039f-c551-4112-981c-456f1b630ef1">Banking</Business_x0020_Sector>
-    <Client_x0020_Category xmlns="e44e039f-c551-4112-981c-456f1b630ef1">Central</Client_x0020_Category>
-    <Methods_x0020_and_x0020_standards xmlns="e44e039f-c551-4112-981c-456f1b630ef1" xsi:nil="true"/>
-    <Responsible xmlns="e44e039f-c551-4112-981c-456f1b630ef1">Marek Strejczek</Responsible>
-    <Client_x0020_Name xmlns="e44e039f-c551-4112-981c-456f1b630ef1" xsi:nil="true"/>
-    <Client_x0020_approval xmlns="e44e039f-c551-4112-981c-456f1b630ef1">No</Client_x0020_approval>
-    <Plattform_x0020__x0026__x0020_tools xmlns="e44e039f-c551-4112-981c-456f1b630ef1" xsi:nil="true"/>
-    <Project_x0020_ID xmlns="e44e039f-c551-4112-981c-456f1b630ef1" xsi:nil="true"/>
-    <Description0 xmlns="e44e039f-c551-4112-981c-456f1b630ef1" xsi:nil="true"/>
-    <Author_x0020__x002f__x0020_Contact xmlns="e44e039f-c551-4112-981c-456f1b630ef1">
-      <UserInfo>
-        <DisplayName/>
-        <AccountId xsi:nil="true"/>
-        <AccountType/>
-      </UserInfo>
-    </Author_x0020__x002f__x0020_Contact>
-    <Client_x0020_Country xmlns="e44e039f-c551-4112-981c-456f1b630ef1">Germany</Client_x0020_Country>
-    <Year xmlns="e44e039f-c551-4112-981c-456f1b630ef1" xsi:nil="true"/>
-  </documentManagement>
-</p:properties>
+<file path=customXml/item3.xml><?xml version="1.0" encoding="utf-8"?>
+<?mso-contentType ?>
+<FormTemplates xmlns="http://schemas.microsoft.com/sharepoint/v3/contenttype/forms">
+  <Display>DocumentLibraryForm</Display>
+  <Edit>DocumentLibraryForm</Edit>
+  <New>DocumentLibraryForm</New>
+</FormTemplates>
 </file>
 
-<file path=customXml/item3.xml><?xml version="1.0" encoding="utf-8"?>
+<file path=customXml/item4.xml><?xml version="1.0" encoding="utf-8"?>
 <?mso-contentType ?>
 <spe:Receivers xmlns:spe="http://schemas.microsoft.com/sharepoint/events">
   <Receiver>
@@ -17689,16 +17696,24 @@
 </spe:Receivers>
 </file>
 
-<file path=customXml/item4.xml><?xml version="1.0" encoding="utf-8"?>
-<?mso-contentType ?>
-<FormTemplates xmlns="http://schemas.microsoft.com/sharepoint/v3/contenttype/forms">
-  <Display>DocumentLibraryForm</Display>
-  <Edit>DocumentLibraryForm</Edit>
-  <New>DocumentLibraryForm</New>
-</FormTemplates>
+<file path=customXml/itemProps1.xml><?xml version="1.0" encoding="utf-8"?>
+<ds:datastoreItem xmlns:ds="http://schemas.openxmlformats.org/officeDocument/2006/customXml" ds:itemID="{7445AAF4-B73F-4E3A-B9D2-4DDAE0F1BE8A}">
+  <ds:schemaRefs>
+    <ds:schemaRef ds:uri="http://schemas.microsoft.com/office/2006/documentManagement/types"/>
+    <ds:schemaRef ds:uri="http://schemas.openxmlformats.org/package/2006/metadata/core-properties"/>
+    <ds:schemaRef ds:uri="727178e8-9586-4f49-8e7b-77af9c2fb085"/>
+    <ds:schemaRef ds:uri="http://purl.org/dc/elements/1.1/"/>
+    <ds:schemaRef ds:uri="http://schemas.microsoft.com/office/2006/metadata/properties"/>
+    <ds:schemaRef ds:uri="e44e039f-c551-4112-981c-456f1b630ef1"/>
+    <ds:schemaRef ds:uri="http://purl.org/dc/terms/"/>
+    <ds:schemaRef ds:uri="http://schemas.microsoft.com/office/infopath/2007/PartnerControls"/>
+    <ds:schemaRef ds:uri="http://www.w3.org/XML/1998/namespace"/>
+    <ds:schemaRef ds:uri="http://purl.org/dc/dcmitype/"/>
+  </ds:schemaRefs>
+</ds:datastoreItem>
 </file>
 
-<file path=customXml/itemProps1.xml><?xml version="1.0" encoding="utf-8"?>
+<file path=customXml/itemProps2.xml><?xml version="1.0" encoding="utf-8"?>
 <ds:datastoreItem xmlns:ds="http://schemas.openxmlformats.org/officeDocument/2006/customXml" ds:itemID="{54CA1130-EAC1-4116-82E4-DF5A51FE3AEA}">
   <ds:schemaRefs>
     <ds:schemaRef ds:uri="http://schemas.microsoft.com/office/2006/metadata/contentType"/>
@@ -17717,35 +17732,18 @@
 </ds:datastoreItem>
 </file>
 
-<file path=customXml/itemProps2.xml><?xml version="1.0" encoding="utf-8"?>
-<ds:datastoreItem xmlns:ds="http://schemas.openxmlformats.org/officeDocument/2006/customXml" ds:itemID="{7445AAF4-B73F-4E3A-B9D2-4DDAE0F1BE8A}">
+<file path=customXml/itemProps3.xml><?xml version="1.0" encoding="utf-8"?>
+<ds:datastoreItem xmlns:ds="http://schemas.openxmlformats.org/officeDocument/2006/customXml" ds:itemID="{9217953E-6BB7-40C6-9A84-608D0A8D65EC}">
   <ds:schemaRefs>
-    <ds:schemaRef ds:uri="http://schemas.microsoft.com/office/2006/documentManagement/types"/>
-    <ds:schemaRef ds:uri="http://schemas.openxmlformats.org/package/2006/metadata/core-properties"/>
-    <ds:schemaRef ds:uri="727178e8-9586-4f49-8e7b-77af9c2fb085"/>
-    <ds:schemaRef ds:uri="http://purl.org/dc/elements/1.1/"/>
-    <ds:schemaRef ds:uri="http://schemas.microsoft.com/office/2006/metadata/properties"/>
-    <ds:schemaRef ds:uri="e44e039f-c551-4112-981c-456f1b630ef1"/>
-    <ds:schemaRef ds:uri="http://purl.org/dc/terms/"/>
-    <ds:schemaRef ds:uri="http://schemas.microsoft.com/office/infopath/2007/PartnerControls"/>
-    <ds:schemaRef ds:uri="http://www.w3.org/XML/1998/namespace"/>
-    <ds:schemaRef ds:uri="http://purl.org/dc/dcmitype/"/>
+    <ds:schemaRef ds:uri="http://schemas.microsoft.com/sharepoint/v3/contenttype/forms"/>
   </ds:schemaRefs>
 </ds:datastoreItem>
 </file>
 
-<file path=customXml/itemProps3.xml><?xml version="1.0" encoding="utf-8"?>
+<file path=customXml/itemProps4.xml><?xml version="1.0" encoding="utf-8"?>
 <ds:datastoreItem xmlns:ds="http://schemas.openxmlformats.org/officeDocument/2006/customXml" ds:itemID="{A6F3EA8F-EBA0-438A-80BD-6A96E2E10054}">
   <ds:schemaRefs>
     <ds:schemaRef ds:uri="http://schemas.microsoft.com/sharepoint/events"/>
   </ds:schemaRefs>
 </ds:datastoreItem>
-</file>
-
-<file path=customXml/itemProps4.xml><?xml version="1.0" encoding="utf-8"?>
-<ds:datastoreItem xmlns:ds="http://schemas.openxmlformats.org/officeDocument/2006/customXml" ds:itemID="{9217953E-6BB7-40C6-9A84-608D0A8D65EC}">
-  <ds:schemaRefs>
-    <ds:schemaRef ds:uri="http://schemas.microsoft.com/sharepoint/v3/contenttype/forms"/>
-  </ds:schemaRefs>
-</ds:datastoreItem>
 </file>
--- a/WDSR - ćwiczenie 4.pptx
+++ b/WDSR - ćwiczenie 4.pptx
@@ -266,7 +266,7 @@
             <a:fld id="{C4843D26-F355-3844-A4EF-19D4FD875597}" type="datetimeFigureOut">
               <a:rPr lang="de-DE" smtClean="0"/>
               <a:pPr/>
-              <a:t>22.02.2017</a:t>
+              <a:t>03.05.2017</a:t>
             </a:fld>
             <a:endParaRPr lang="de-DE" dirty="0"/>
           </a:p>
@@ -434,7 +434,7 @@
             <a:fld id="{8E2CFE12-C1FB-D740-8B6C-AFB72D5D4002}" type="datetimeFigureOut">
               <a:rPr lang="de-DE" smtClean="0"/>
               <a:pPr/>
-              <a:t>22.02.2017</a:t>
+              <a:t>03.05.2017</a:t>
             </a:fld>
             <a:endParaRPr lang="de-DE" dirty="0"/>
           </a:p>
@@ -4629,7 +4629,7 @@
           <a:graphicData uri="http://schemas.openxmlformats.org/presentationml/2006/ole">
             <mc:AlternateContent xmlns:mc="http://schemas.openxmlformats.org/markup-compatibility/2006">
               <mc:Choice xmlns:v="urn:schemas-microsoft-com:vml" Requires="v">
-                <p:oleObj spid="_x0000_s2339" name="think-cell Folie" r:id="rId4" imgW="305" imgH="303" progId="TCLayout.ActiveDocument.1">
+                <p:oleObj spid="_x0000_s2341" name="think-cell Folie" r:id="rId4" imgW="305" imgH="303" progId="TCLayout.ActiveDocument.1">
                   <p:embed/>
                 </p:oleObj>
               </mc:Choice>
@@ -5026,7 +5026,7 @@
           <a:graphicData uri="http://schemas.openxmlformats.org/presentationml/2006/ole">
             <mc:AlternateContent xmlns:mc="http://schemas.openxmlformats.org/markup-compatibility/2006">
               <mc:Choice xmlns:v="urn:schemas-microsoft-com:vml" Requires="v">
-                <p:oleObj spid="_x0000_s1320" name="think-cell Folie" r:id="rId13" imgW="305" imgH="303" progId="TCLayout.ActiveDocument.1">
+                <p:oleObj spid="_x0000_s1322" name="think-cell Folie" r:id="rId13" imgW="305" imgH="303" progId="TCLayout.ActiveDocument.1">
                   <p:embed/>
                 </p:oleObj>
               </mc:Choice>
@@ -6360,13 +6360,8 @@
           <a:p>
             <a:r>
               <a:rPr lang="pl-PL" dirty="0" smtClean="0"/>
-              <a:t>Lato </a:t>
-            </a:r>
-            <a:r>
-              <a:rPr lang="pl-PL" dirty="0" smtClean="0"/>
-              <a:t>2017</a:t>
-            </a:r>
-            <a:endParaRPr lang="pl-PL" dirty="0" smtClean="0"/>
+              <a:t>Lato 2017</a:t>
+            </a:r>
           </a:p>
           <a:p>
             <a:r>
@@ -12198,15 +12193,15 @@
             <a:pPr lvl="1"/>
             <a:r>
               <a:rPr lang="pl-PL" dirty="0" smtClean="0"/>
-              <a:t>Odpowiedź z uzasadnieniem wyślij do mnie na </a:t>
-            </a:r>
-            <a:r>
-              <a:rPr lang="pl-PL" dirty="0" err="1" smtClean="0"/>
-              <a:t>Slacku</a:t>
-            </a:r>
-            <a:r>
-              <a:rPr lang="pl-PL" dirty="0" smtClean="0"/>
-              <a:t> – prawidłowa odpowiedź = 3 bonusowe punkty.</a:t>
+              <a:t>Odpowiedź z uzasadnieniem wyślij do mnie </a:t>
+            </a:r>
+            <a:r>
+              <a:rPr lang="pl-PL" dirty="0" smtClean="0"/>
+              <a:t>na maila– </a:t>
+            </a:r>
+            <a:r>
+              <a:rPr lang="pl-PL" dirty="0" smtClean="0"/>
+              <a:t>prawidłowa odpowiedź = 3 bonusowe punkty.</a:t>
             </a:r>
             <a:endParaRPr lang="pl-PL" dirty="0"/>
           </a:p>
@@ -13016,13 +13011,8 @@
           <a:p>
             <a:r>
               <a:rPr lang="pl-PL" dirty="0" smtClean="0"/>
-              <a:t>Zadanie (</a:t>
-            </a:r>
-            <a:r>
-              <a:rPr lang="pl-PL" smtClean="0"/>
-              <a:t>część 2/2):</a:t>
-            </a:r>
-            <a:endParaRPr lang="pl-PL" dirty="0" smtClean="0"/>
+              <a:t>Zadanie (część 2/2):</a:t>
+            </a:r>
           </a:p>
           <a:p>
             <a:pPr lvl="1"/>
@@ -13152,12 +13142,12 @@
               <a:t>Odpowiedź wyślij do mnie na </a:t>
             </a:r>
             <a:r>
-              <a:rPr lang="pl-PL" dirty="0" err="1" smtClean="0"/>
-              <a:t>Slacku</a:t>
-            </a:r>
-            <a:r>
-              <a:rPr lang="pl-PL" dirty="0" smtClean="0"/>
-              <a:t> – prawidłowa odpowiedź = 3 bonusowe punkty.</a:t>
+              <a:rPr lang="pl-PL" dirty="0" smtClean="0"/>
+              <a:t>maila– </a:t>
+            </a:r>
+            <a:r>
+              <a:rPr lang="pl-PL" dirty="0" smtClean="0"/>
+              <a:t>prawidłowa odpowiedź = 3 bonusowe punkty.</a:t>
             </a:r>
             <a:endParaRPr lang="pl-PL" dirty="0"/>
           </a:p>
@@ -17110,41 +17100,6 @@
 </file>
 
 <file path=customXml/item1.xml><?xml version="1.0" encoding="utf-8"?>
-<p:properties xmlns:p="http://schemas.microsoft.com/office/2006/metadata/properties" xmlns:xsi="http://www.w3.org/2001/XMLSchema-instance" xmlns:pc="http://schemas.microsoft.com/office/infopath/2007/PartnerControls">
-  <documentManagement>
-    <_dlc_DocId xmlns="727178e8-9586-4f49-8e7b-77af9c2fb085">CVD5QAC74SYH-2-13943</_dlc_DocId>
-    <_dlc_DocIdUrl xmlns="727178e8-9586-4f49-8e7b-77af9c2fb085">
-      <Url>https://share.gft.com/sites/Corporate-Marketing/_layouts/DocIdRedir.aspx?ID=CVD5QAC74SYH-2-13943</Url>
-      <Description>CVD5QAC74SYH-2-13943</Description>
-    </_dlc_DocIdUrl>
-    <Functional_x0020_Area xmlns="e44e039f-c551-4112-981c-456f1b630ef1">Functional Area 1</Functional_x0020_Area>
-    <Reference_x0020_Title xmlns="e44e039f-c551-4112-981c-456f1b630ef1" xsi:nil="true"/>
-    <Area xmlns="e44e039f-c551-4112-981c-456f1b630ef1">Area 1</Area>
-    <Project_x0020_size_x0020__x0028_resources_x0029_ xmlns="e44e039f-c551-4112-981c-456f1b630ef1" xsi:nil="true"/>
-    <Comments xmlns="e44e039f-c551-4112-981c-456f1b630ef1" xsi:nil="true"/>
-    <Business_x0020_Sector xmlns="e44e039f-c551-4112-981c-456f1b630ef1">Banking</Business_x0020_Sector>
-    <Client_x0020_Category xmlns="e44e039f-c551-4112-981c-456f1b630ef1">Central</Client_x0020_Category>
-    <Methods_x0020_and_x0020_standards xmlns="e44e039f-c551-4112-981c-456f1b630ef1" xsi:nil="true"/>
-    <Responsible xmlns="e44e039f-c551-4112-981c-456f1b630ef1">Marek Strejczek</Responsible>
-    <Client_x0020_Name xmlns="e44e039f-c551-4112-981c-456f1b630ef1" xsi:nil="true"/>
-    <Client_x0020_approval xmlns="e44e039f-c551-4112-981c-456f1b630ef1">No</Client_x0020_approval>
-    <Plattform_x0020__x0026__x0020_tools xmlns="e44e039f-c551-4112-981c-456f1b630ef1" xsi:nil="true"/>
-    <Project_x0020_ID xmlns="e44e039f-c551-4112-981c-456f1b630ef1" xsi:nil="true"/>
-    <Description0 xmlns="e44e039f-c551-4112-981c-456f1b630ef1" xsi:nil="true"/>
-    <Author_x0020__x002f__x0020_Contact xmlns="e44e039f-c551-4112-981c-456f1b630ef1">
-      <UserInfo>
-        <DisplayName/>
-        <AccountId xsi:nil="true"/>
-        <AccountType/>
-      </UserInfo>
-    </Author_x0020__x002f__x0020_Contact>
-    <Client_x0020_Country xmlns="e44e039f-c551-4112-981c-456f1b630ef1">Germany</Client_x0020_Country>
-    <Year xmlns="e44e039f-c551-4112-981c-456f1b630ef1" xsi:nil="true"/>
-  </documentManagement>
-</p:properties>
-</file>
-
-<file path=customXml/item2.xml><?xml version="1.0" encoding="utf-8"?>
 <ct:contentTypeSchema xmlns:ct="http://schemas.microsoft.com/office/2006/metadata/contentType" xmlns:ma="http://schemas.microsoft.com/office/2006/metadata/properties/metaAttributes" ct:_="" ma:_="" ma:contentTypeName="Document" ma:contentTypeID="0x010100793B9935CA02AD4F90F0A0FD564FDD82" ma:contentTypeVersion="17" ma:contentTypeDescription="Create a new document." ma:contentTypeScope="" ma:versionID="6168266ad0b2c1ccdc9d2ae0268a5eb6">
   <xsd:schema xmlns:xsd="http://www.w3.org/2001/XMLSchema" xmlns:xs="http://www.w3.org/2001/XMLSchema" xmlns:p="http://schemas.microsoft.com/office/2006/metadata/properties" xmlns:ns2="e44e039f-c551-4112-981c-456f1b630ef1" xmlns:ns3="727178e8-9586-4f49-8e7b-77af9c2fb085" targetNamespace="http://schemas.microsoft.com/office/2006/metadata/properties" ma:root="true" ma:fieldsID="b9b29daf9bb73cd90369de1b0e977594" ns2:_="" ns3:_="">
     <xsd:import namespace="e44e039f-c551-4112-981c-456f1b630ef1"/>
@@ -17641,16 +17596,42 @@
 </ct:contentTypeSchema>
 </file>
 
-<file path=customXml/item3.xml><?xml version="1.0" encoding="utf-8"?>
-<?mso-contentType ?>
-<FormTemplates xmlns="http://schemas.microsoft.com/sharepoint/v3/contenttype/forms">
-  <Display>DocumentLibraryForm</Display>
-  <Edit>DocumentLibraryForm</Edit>
-  <New>DocumentLibraryForm</New>
-</FormTemplates>
+<file path=customXml/item2.xml><?xml version="1.0" encoding="utf-8"?>
+<p:properties xmlns:p="http://schemas.microsoft.com/office/2006/metadata/properties" xmlns:xsi="http://www.w3.org/2001/XMLSchema-instance" xmlns:pc="http://schemas.microsoft.com/office/infopath/2007/PartnerControls">
+  <documentManagement>
+    <_dlc_DocId xmlns="727178e8-9586-4f49-8e7b-77af9c2fb085">CVD5QAC74SYH-2-13943</_dlc_DocId>
+    <_dlc_DocIdUrl xmlns="727178e8-9586-4f49-8e7b-77af9c2fb085">
+      <Url>https://share.gft.com/sites/Corporate-Marketing/_layouts/DocIdRedir.aspx?ID=CVD5QAC74SYH-2-13943</Url>
+      <Description>CVD5QAC74SYH-2-13943</Description>
+    </_dlc_DocIdUrl>
+    <Functional_x0020_Area xmlns="e44e039f-c551-4112-981c-456f1b630ef1">Functional Area 1</Functional_x0020_Area>
+    <Reference_x0020_Title xmlns="e44e039f-c551-4112-981c-456f1b630ef1" xsi:nil="true"/>
+    <Area xmlns="e44e039f-c551-4112-981c-456f1b630ef1">Area 1</Area>
+    <Project_x0020_size_x0020__x0028_resources_x0029_ xmlns="e44e039f-c551-4112-981c-456f1b630ef1" xsi:nil="true"/>
+    <Comments xmlns="e44e039f-c551-4112-981c-456f1b630ef1" xsi:nil="true"/>
+    <Business_x0020_Sector xmlns="e44e039f-c551-4112-981c-456f1b630ef1">Banking</Business_x0020_Sector>
+    <Client_x0020_Category xmlns="e44e039f-c551-4112-981c-456f1b630ef1">Central</Client_x0020_Category>
+    <Methods_x0020_and_x0020_standards xmlns="e44e039f-c551-4112-981c-456f1b630ef1" xsi:nil="true"/>
+    <Responsible xmlns="e44e039f-c551-4112-981c-456f1b630ef1">Marek Strejczek</Responsible>
+    <Client_x0020_Name xmlns="e44e039f-c551-4112-981c-456f1b630ef1" xsi:nil="true"/>
+    <Client_x0020_approval xmlns="e44e039f-c551-4112-981c-456f1b630ef1">No</Client_x0020_approval>
+    <Plattform_x0020__x0026__x0020_tools xmlns="e44e039f-c551-4112-981c-456f1b630ef1" xsi:nil="true"/>
+    <Project_x0020_ID xmlns="e44e039f-c551-4112-981c-456f1b630ef1" xsi:nil="true"/>
+    <Description0 xmlns="e44e039f-c551-4112-981c-456f1b630ef1" xsi:nil="true"/>
+    <Author_x0020__x002f__x0020_Contact xmlns="e44e039f-c551-4112-981c-456f1b630ef1">
+      <UserInfo>
+        <DisplayName/>
+        <AccountId xsi:nil="true"/>
+        <AccountType/>
+      </UserInfo>
+    </Author_x0020__x002f__x0020_Contact>
+    <Client_x0020_Country xmlns="e44e039f-c551-4112-981c-456f1b630ef1">Germany</Client_x0020_Country>
+    <Year xmlns="e44e039f-c551-4112-981c-456f1b630ef1" xsi:nil="true"/>
+  </documentManagement>
+</p:properties>
 </file>
 
-<file path=customXml/item4.xml><?xml version="1.0" encoding="utf-8"?>
+<file path=customXml/item3.xml><?xml version="1.0" encoding="utf-8"?>
 <?mso-contentType ?>
 <spe:Receivers xmlns:spe="http://schemas.microsoft.com/sharepoint/events">
   <Receiver>
@@ -17696,24 +17677,16 @@
 </spe:Receivers>
 </file>
 
-<file path=customXml/itemProps1.xml><?xml version="1.0" encoding="utf-8"?>
-<ds:datastoreItem xmlns:ds="http://schemas.openxmlformats.org/officeDocument/2006/customXml" ds:itemID="{7445AAF4-B73F-4E3A-B9D2-4DDAE0F1BE8A}">
-  <ds:schemaRefs>
-    <ds:schemaRef ds:uri="http://schemas.microsoft.com/office/2006/documentManagement/types"/>
-    <ds:schemaRef ds:uri="http://schemas.openxmlformats.org/package/2006/metadata/core-properties"/>
-    <ds:schemaRef ds:uri="727178e8-9586-4f49-8e7b-77af9c2fb085"/>
-    <ds:schemaRef ds:uri="http://purl.org/dc/elements/1.1/"/>
-    <ds:schemaRef ds:uri="http://schemas.microsoft.com/office/2006/metadata/properties"/>
-    <ds:schemaRef ds:uri="e44e039f-c551-4112-981c-456f1b630ef1"/>
-    <ds:schemaRef ds:uri="http://purl.org/dc/terms/"/>
-    <ds:schemaRef ds:uri="http://schemas.microsoft.com/office/infopath/2007/PartnerControls"/>
-    <ds:schemaRef ds:uri="http://www.w3.org/XML/1998/namespace"/>
-    <ds:schemaRef ds:uri="http://purl.org/dc/dcmitype/"/>
-  </ds:schemaRefs>
-</ds:datastoreItem>
+<file path=customXml/item4.xml><?xml version="1.0" encoding="utf-8"?>
+<?mso-contentType ?>
+<FormTemplates xmlns="http://schemas.microsoft.com/sharepoint/v3/contenttype/forms">
+  <Display>DocumentLibraryForm</Display>
+  <Edit>DocumentLibraryForm</Edit>
+  <New>DocumentLibraryForm</New>
+</FormTemplates>
 </file>
 
-<file path=customXml/itemProps2.xml><?xml version="1.0" encoding="utf-8"?>
+<file path=customXml/itemProps1.xml><?xml version="1.0" encoding="utf-8"?>
 <ds:datastoreItem xmlns:ds="http://schemas.openxmlformats.org/officeDocument/2006/customXml" ds:itemID="{54CA1130-EAC1-4116-82E4-DF5A51FE3AEA}">
   <ds:schemaRefs>
     <ds:schemaRef ds:uri="http://schemas.microsoft.com/office/2006/metadata/contentType"/>
@@ -17732,18 +17705,35 @@
 </ds:datastoreItem>
 </file>
 
+<file path=customXml/itemProps2.xml><?xml version="1.0" encoding="utf-8"?>
+<ds:datastoreItem xmlns:ds="http://schemas.openxmlformats.org/officeDocument/2006/customXml" ds:itemID="{7445AAF4-B73F-4E3A-B9D2-4DDAE0F1BE8A}">
+  <ds:schemaRefs>
+    <ds:schemaRef ds:uri="http://schemas.microsoft.com/office/2006/documentManagement/types"/>
+    <ds:schemaRef ds:uri="http://schemas.openxmlformats.org/package/2006/metadata/core-properties"/>
+    <ds:schemaRef ds:uri="727178e8-9586-4f49-8e7b-77af9c2fb085"/>
+    <ds:schemaRef ds:uri="http://purl.org/dc/elements/1.1/"/>
+    <ds:schemaRef ds:uri="http://schemas.microsoft.com/office/2006/metadata/properties"/>
+    <ds:schemaRef ds:uri="e44e039f-c551-4112-981c-456f1b630ef1"/>
+    <ds:schemaRef ds:uri="http://purl.org/dc/terms/"/>
+    <ds:schemaRef ds:uri="http://schemas.microsoft.com/office/infopath/2007/PartnerControls"/>
+    <ds:schemaRef ds:uri="http://www.w3.org/XML/1998/namespace"/>
+    <ds:schemaRef ds:uri="http://purl.org/dc/dcmitype/"/>
+  </ds:schemaRefs>
+</ds:datastoreItem>
+</file>
+
 <file path=customXml/itemProps3.xml><?xml version="1.0" encoding="utf-8"?>
+<ds:datastoreItem xmlns:ds="http://schemas.openxmlformats.org/officeDocument/2006/customXml" ds:itemID="{A6F3EA8F-EBA0-438A-80BD-6A96E2E10054}">
+  <ds:schemaRefs>
+    <ds:schemaRef ds:uri="http://schemas.microsoft.com/sharepoint/events"/>
+  </ds:schemaRefs>
+</ds:datastoreItem>
+</file>
+
+<file path=customXml/itemProps4.xml><?xml version="1.0" encoding="utf-8"?>
 <ds:datastoreItem xmlns:ds="http://schemas.openxmlformats.org/officeDocument/2006/customXml" ds:itemID="{9217953E-6BB7-40C6-9A84-608D0A8D65EC}">
   <ds:schemaRefs>
     <ds:schemaRef ds:uri="http://schemas.microsoft.com/sharepoint/v3/contenttype/forms"/>
   </ds:schemaRefs>
 </ds:datastoreItem>
-</file>
-
-<file path=customXml/itemProps4.xml><?xml version="1.0" encoding="utf-8"?>
-<ds:datastoreItem xmlns:ds="http://schemas.openxmlformats.org/officeDocument/2006/customXml" ds:itemID="{A6F3EA8F-EBA0-438A-80BD-6A96E2E10054}">
-  <ds:schemaRefs>
-    <ds:schemaRef ds:uri="http://schemas.microsoft.com/sharepoint/events"/>
-  </ds:schemaRefs>
-</ds:datastoreItem>
 </file>